--- a/site/www/images/RIV-förvaltning, Illustrationer.pptx
+++ b/site/www/images/RIV-förvaltning, Illustrationer.pptx
@@ -290,7 +290,7 @@
             <a:fld id="{969AF993-ECBB-4568-B8C5-207C01070BCF}" type="datetimeFigureOut">
               <a:rPr lang="en-US" smtClean="0"/>
               <a:pPr/>
-              <a:t>5/5/2009</a:t>
+              <a:t>5/8/2009</a:t>
             </a:fld>
             <a:endParaRPr lang="en-US"/>
           </a:p>
@@ -457,7 +457,7 @@
             <a:fld id="{969AF993-ECBB-4568-B8C5-207C01070BCF}" type="datetimeFigureOut">
               <a:rPr lang="en-US" smtClean="0"/>
               <a:pPr/>
-              <a:t>5/5/2009</a:t>
+              <a:t>5/8/2009</a:t>
             </a:fld>
             <a:endParaRPr lang="en-US"/>
           </a:p>
@@ -634,7 +634,7 @@
             <a:fld id="{969AF993-ECBB-4568-B8C5-207C01070BCF}" type="datetimeFigureOut">
               <a:rPr lang="en-US" smtClean="0"/>
               <a:pPr/>
-              <a:t>5/5/2009</a:t>
+              <a:t>5/8/2009</a:t>
             </a:fld>
             <a:endParaRPr lang="en-US"/>
           </a:p>
@@ -801,7 +801,7 @@
             <a:fld id="{969AF993-ECBB-4568-B8C5-207C01070BCF}" type="datetimeFigureOut">
               <a:rPr lang="en-US" smtClean="0"/>
               <a:pPr/>
-              <a:t>5/5/2009</a:t>
+              <a:t>5/8/2009</a:t>
             </a:fld>
             <a:endParaRPr lang="en-US"/>
           </a:p>
@@ -1044,7 +1044,7 @@
             <a:fld id="{969AF993-ECBB-4568-B8C5-207C01070BCF}" type="datetimeFigureOut">
               <a:rPr lang="en-US" smtClean="0"/>
               <a:pPr/>
-              <a:t>5/5/2009</a:t>
+              <a:t>5/8/2009</a:t>
             </a:fld>
             <a:endParaRPr lang="en-US"/>
           </a:p>
@@ -1329,7 +1329,7 @@
             <a:fld id="{969AF993-ECBB-4568-B8C5-207C01070BCF}" type="datetimeFigureOut">
               <a:rPr lang="en-US" smtClean="0"/>
               <a:pPr/>
-              <a:t>5/5/2009</a:t>
+              <a:t>5/8/2009</a:t>
             </a:fld>
             <a:endParaRPr lang="en-US"/>
           </a:p>
@@ -1748,7 +1748,7 @@
             <a:fld id="{969AF993-ECBB-4568-B8C5-207C01070BCF}" type="datetimeFigureOut">
               <a:rPr lang="en-US" smtClean="0"/>
               <a:pPr/>
-              <a:t>5/5/2009</a:t>
+              <a:t>5/8/2009</a:t>
             </a:fld>
             <a:endParaRPr lang="en-US"/>
           </a:p>
@@ -1863,7 +1863,7 @@
             <a:fld id="{969AF993-ECBB-4568-B8C5-207C01070BCF}" type="datetimeFigureOut">
               <a:rPr lang="en-US" smtClean="0"/>
               <a:pPr/>
-              <a:t>5/5/2009</a:t>
+              <a:t>5/8/2009</a:t>
             </a:fld>
             <a:endParaRPr lang="en-US"/>
           </a:p>
@@ -1955,7 +1955,7 @@
             <a:fld id="{969AF993-ECBB-4568-B8C5-207C01070BCF}" type="datetimeFigureOut">
               <a:rPr lang="en-US" smtClean="0"/>
               <a:pPr/>
-              <a:t>5/5/2009</a:t>
+              <a:t>5/8/2009</a:t>
             </a:fld>
             <a:endParaRPr lang="en-US"/>
           </a:p>
@@ -2229,7 +2229,7 @@
             <a:fld id="{969AF993-ECBB-4568-B8C5-207C01070BCF}" type="datetimeFigureOut">
               <a:rPr lang="en-US" smtClean="0"/>
               <a:pPr/>
-              <a:t>5/5/2009</a:t>
+              <a:t>5/8/2009</a:t>
             </a:fld>
             <a:endParaRPr lang="en-US"/>
           </a:p>
@@ -2479,7 +2479,7 @@
             <a:fld id="{969AF993-ECBB-4568-B8C5-207C01070BCF}" type="datetimeFigureOut">
               <a:rPr lang="en-US" smtClean="0"/>
               <a:pPr/>
-              <a:t>5/5/2009</a:t>
+              <a:t>5/8/2009</a:t>
             </a:fld>
             <a:endParaRPr lang="en-US"/>
           </a:p>
@@ -2689,7 +2689,7 @@
             <a:fld id="{969AF993-ECBB-4568-B8C5-207C01070BCF}" type="datetimeFigureOut">
               <a:rPr lang="en-US" smtClean="0"/>
               <a:pPr/>
-              <a:t>5/5/2009</a:t>
+              <a:t>5/8/2009</a:t>
             </a:fld>
             <a:endParaRPr lang="en-US"/>
           </a:p>
@@ -4131,7 +4131,7 @@
           <p:spPr bwMode="auto">
             <a:xfrm>
               <a:off x="457172" y="4000498"/>
-              <a:ext cx="2071401" cy="1015663"/>
+              <a:ext cx="2629381" cy="1200333"/>
             </a:xfrm>
             <a:prstGeom prst="rect">
               <a:avLst/>
@@ -4151,40 +4151,156 @@
             <a:lstStyle/>
             <a:p>
               <a:r>
-                <a:rPr lang="en-US" sz="1200" i="1">
+                <a:rPr lang="en-US" sz="1200" i="1" dirty="0">
                   <a:latin typeface="Calibri" pitchFamily="34" charset="0"/>
                 </a:rPr>
-                <a:t>Operation i Tjänstekontrakt</a:t>
+                <a:t>Operation </a:t>
               </a:r>
+              <a:r>
+                <a:rPr lang="en-US" sz="1200" i="1" dirty="0" err="1">
+                  <a:latin typeface="Calibri" pitchFamily="34" charset="0"/>
+                </a:rPr>
+                <a:t>i</a:t>
+              </a:r>
+              <a:r>
+                <a:rPr lang="en-US" sz="1200" i="1" dirty="0">
+                  <a:latin typeface="Calibri" pitchFamily="34" charset="0"/>
+                </a:rPr>
+                <a:t> </a:t>
+              </a:r>
+              <a:r>
+                <a:rPr lang="en-US" sz="1200" i="1" dirty="0" err="1">
+                  <a:latin typeface="Calibri" pitchFamily="34" charset="0"/>
+                </a:rPr>
+                <a:t>Tjänstekontrakt</a:t>
+              </a:r>
+              <a:endParaRPr lang="en-US" sz="1200" i="1" dirty="0">
+                <a:latin typeface="Calibri" pitchFamily="34" charset="0"/>
+              </a:endParaRPr>
             </a:p>
             <a:p>
-              <a:endParaRPr lang="en-US" sz="1200" i="1">
+              <a:endParaRPr lang="en-US" sz="1200" i="1" dirty="0">
                 <a:latin typeface="Calibri" pitchFamily="34" charset="0"/>
               </a:endParaRPr>
             </a:p>
             <a:p>
               <a:r>
-                <a:rPr lang="en-US" sz="1200" i="1">
+                <a:rPr lang="en-US" sz="1200" i="1" dirty="0" err="1">
                   <a:latin typeface="Calibri" pitchFamily="34" charset="0"/>
                 </a:rPr>
-                <a:t>Teknisk form: </a:t>
+                <a:t>Teknisk</a:t>
+              </a:r>
+              <a:r>
+                <a:rPr lang="en-US" sz="1200" i="1" dirty="0">
+                  <a:latin typeface="Calibri" pitchFamily="34" charset="0"/>
+                </a:rPr>
+                <a:t> form: </a:t>
               </a:r>
             </a:p>
             <a:p>
               <a:r>
-                <a:rPr lang="en-US" sz="1200" i="1">
+                <a:rPr lang="en-US" sz="1200" i="1" dirty="0">
                   <a:latin typeface="Calibri" pitchFamily="34" charset="0"/>
                 </a:rPr>
-                <a:t>	In- och ut-element i </a:t>
+                <a:t>	In- </a:t>
+              </a:r>
+              <a:r>
+                <a:rPr lang="en-US" sz="1200" i="1" dirty="0" err="1">
+                  <a:latin typeface="Calibri" pitchFamily="34" charset="0"/>
+                </a:rPr>
+                <a:t>och</a:t>
+              </a:r>
+              <a:r>
+                <a:rPr lang="en-US" sz="1200" i="1" dirty="0">
+                  <a:latin typeface="Calibri" pitchFamily="34" charset="0"/>
+                </a:rPr>
+                <a:t> </a:t>
+              </a:r>
+              <a:r>
+                <a:rPr lang="en-US" sz="1200" i="1" dirty="0" err="1">
+                  <a:latin typeface="Calibri" pitchFamily="34" charset="0"/>
+                </a:rPr>
+                <a:t>ut</a:t>
+              </a:r>
+              <a:r>
+                <a:rPr lang="en-US" sz="1200" i="1" dirty="0">
+                  <a:latin typeface="Calibri" pitchFamily="34" charset="0"/>
+                </a:rPr>
+                <a:t>-element </a:t>
+              </a:r>
+              <a:r>
+                <a:rPr lang="en-US" sz="1200" i="1" dirty="0" err="1">
+                  <a:latin typeface="Calibri" pitchFamily="34" charset="0"/>
+                </a:rPr>
+                <a:t>i</a:t>
+              </a:r>
+              <a:r>
+                <a:rPr lang="en-US" sz="1200" i="1" dirty="0">
+                  <a:latin typeface="Calibri" pitchFamily="34" charset="0"/>
+                </a:rPr>
+                <a:t> </a:t>
               </a:r>
             </a:p>
             <a:p>
               <a:r>
-                <a:rPr lang="en-US" sz="1200" i="1">
+                <a:rPr lang="en-US" sz="1200" i="1" dirty="0">
                   <a:latin typeface="Calibri" pitchFamily="34" charset="0"/>
                 </a:rPr>
-                <a:t>	Tjänsteschema (xsd)</a:t>
+                <a:t>	</a:t>
               </a:r>
+              <a:r>
+                <a:rPr lang="en-US" sz="1200" i="1" dirty="0" err="1">
+                  <a:latin typeface="Calibri" pitchFamily="34" charset="0"/>
+                </a:rPr>
+                <a:t>Tjänsteschema</a:t>
+              </a:r>
+              <a:r>
+                <a:rPr lang="en-US" sz="1200" i="1" dirty="0">
+                  <a:latin typeface="Calibri" pitchFamily="34" charset="0"/>
+                </a:rPr>
+                <a:t> (</a:t>
+              </a:r>
+              <a:r>
+                <a:rPr lang="en-US" sz="1200" i="1" dirty="0" err="1">
+                  <a:latin typeface="Calibri" pitchFamily="34" charset="0"/>
+                </a:rPr>
+                <a:t>xsd</a:t>
+              </a:r>
+              <a:r>
+                <a:rPr lang="en-US" sz="1200" i="1" dirty="0" smtClean="0">
+                  <a:latin typeface="Calibri" pitchFamily="34" charset="0"/>
+                </a:rPr>
+                <a:t>)</a:t>
+              </a:r>
+            </a:p>
+            <a:p>
+              <a:r>
+                <a:rPr lang="sv-SE" sz="1200" i="1" dirty="0" smtClean="0">
+                  <a:latin typeface="Calibri" pitchFamily="34" charset="0"/>
+                </a:rPr>
+                <a:t>	</a:t>
+              </a:r>
+              <a:r>
+                <a:rPr lang="sv-SE" sz="1200" i="1" dirty="0" err="1" smtClean="0">
+                  <a:latin typeface="Calibri" pitchFamily="34" charset="0"/>
+                </a:rPr>
+                <a:t>Message</a:t>
+              </a:r>
+              <a:r>
+                <a:rPr lang="sv-SE" sz="1200" i="1" dirty="0" smtClean="0">
+                  <a:latin typeface="Calibri" pitchFamily="34" charset="0"/>
+                </a:rPr>
+                <a:t> element i </a:t>
+              </a:r>
+              <a:r>
+                <a:rPr lang="sv-SE" sz="1200" i="1" dirty="0" err="1" smtClean="0">
+                  <a:latin typeface="Calibri" pitchFamily="34" charset="0"/>
+                </a:rPr>
+                <a:t>wsdl</a:t>
+              </a:r>
+              <a:endParaRPr lang="en-US" sz="1200" i="1" dirty="0">
+                <a:latin typeface="Calibri" pitchFamily="34" charset="0"/>
+              </a:endParaRPr>
             </a:p>
           </p:txBody>
         </p:sp>
@@ -4528,6 +4644,132 @@
           </p:txBody>
         </p:sp>
       </p:grpSp>
+      <p:sp>
+        <p:nvSpPr>
+          <p:cNvPr id="15" name="textruta 6"/>
+          <p:cNvSpPr txBox="1">
+            <a:spLocks noChangeArrowheads="1"/>
+          </p:cNvSpPr>
+          <p:nvPr/>
+        </p:nvSpPr>
+        <p:spPr bwMode="auto">
+          <a:xfrm>
+            <a:off x="5181600" y="1371600"/>
+            <a:ext cx="1556836" cy="276999"/>
+          </a:xfrm>
+          <a:prstGeom prst="rect">
+            <a:avLst/>
+          </a:prstGeom>
+          <a:noFill/>
+          <a:ln w="9525">
+            <a:noFill/>
+            <a:miter lim="800000"/>
+            <a:headEnd/>
+            <a:tailEnd/>
+          </a:ln>
+        </p:spPr>
+        <p:txBody>
+          <a:bodyPr wrap="none">
+            <a:spAutoFit/>
+          </a:bodyPr>
+          <a:lstStyle/>
+          <a:p>
+            <a:r>
+              <a:rPr lang="en-US" sz="1200" b="1" i="1" dirty="0" smtClean="0">
+                <a:latin typeface="Calibri" pitchFamily="34" charset="0"/>
+              </a:rPr>
+              <a:t>EN PER INTERAKTION</a:t>
+            </a:r>
+            <a:endParaRPr lang="en-US" sz="1200" b="1" i="1" dirty="0">
+              <a:latin typeface="Calibri" pitchFamily="34" charset="0"/>
+            </a:endParaRPr>
+          </a:p>
+        </p:txBody>
+      </p:sp>
+      <p:sp>
+        <p:nvSpPr>
+          <p:cNvPr id="16" name="textruta 6"/>
+          <p:cNvSpPr txBox="1">
+            <a:spLocks noChangeArrowheads="1"/>
+          </p:cNvSpPr>
+          <p:nvPr/>
+        </p:nvSpPr>
+        <p:spPr bwMode="auto">
+          <a:xfrm>
+            <a:off x="5943600" y="2438400"/>
+            <a:ext cx="1143711" cy="276999"/>
+          </a:xfrm>
+          <a:prstGeom prst="rect">
+            <a:avLst/>
+          </a:prstGeom>
+          <a:noFill/>
+          <a:ln w="9525">
+            <a:noFill/>
+            <a:miter lim="800000"/>
+            <a:headEnd/>
+            <a:tailEnd/>
+          </a:ln>
+        </p:spPr>
+        <p:txBody>
+          <a:bodyPr wrap="none">
+            <a:spAutoFit/>
+          </a:bodyPr>
+          <a:lstStyle/>
+          <a:p>
+            <a:r>
+              <a:rPr lang="en-US" sz="1200" b="1" i="1" dirty="0" smtClean="0">
+                <a:latin typeface="Calibri" pitchFamily="34" charset="0"/>
+              </a:rPr>
+              <a:t>EN PER ROLL!!!</a:t>
+            </a:r>
+            <a:endParaRPr lang="en-US" sz="1200" b="1" i="1" dirty="0">
+              <a:latin typeface="Calibri" pitchFamily="34" charset="0"/>
+            </a:endParaRPr>
+          </a:p>
+        </p:txBody>
+      </p:sp>
+      <p:sp>
+        <p:nvSpPr>
+          <p:cNvPr id="17" name="textruta 6"/>
+          <p:cNvSpPr txBox="1">
+            <a:spLocks noChangeArrowheads="1"/>
+          </p:cNvSpPr>
+          <p:nvPr/>
+        </p:nvSpPr>
+        <p:spPr bwMode="auto">
+          <a:xfrm>
+            <a:off x="148076" y="381000"/>
+            <a:ext cx="8995924" cy="276999"/>
+          </a:xfrm>
+          <a:prstGeom prst="rect">
+            <a:avLst/>
+          </a:prstGeom>
+          <a:noFill/>
+          <a:ln w="9525">
+            <a:noFill/>
+            <a:miter lim="800000"/>
+            <a:headEnd/>
+            <a:tailEnd/>
+          </a:ln>
+        </p:spPr>
+        <p:txBody>
+          <a:bodyPr wrap="none">
+            <a:spAutoFit/>
+          </a:bodyPr>
+          <a:lstStyle/>
+          <a:p>
+            <a:r>
+              <a:rPr lang="en-US" sz="1200" b="1" i="1" dirty="0" smtClean="0">
+                <a:latin typeface="Calibri" pitchFamily="34" charset="0"/>
+              </a:rPr>
+              <a:t>TRANFORMARING FRÅN LOGISK TJÄSNTEINTERANKTIONBESKRIVNING TILL  TEKINSK FORM OCH ANVISNIGNAR FÖR TRANSFORMERINGEN</a:t>
+            </a:r>
+            <a:endParaRPr lang="en-US" sz="1200" b="1" i="1" dirty="0">
+              <a:latin typeface="Calibri" pitchFamily="34" charset="0"/>
+            </a:endParaRPr>
+          </a:p>
+        </p:txBody>
+      </p:sp>
     </p:spTree>
   </p:cSld>
   <p:clrMapOvr>

--- a/site/www/images/RIV-förvaltning, Illustrationer.pptx
+++ b/site/www/images/RIV-förvaltning, Illustrationer.pptx
@@ -7,6 +7,9 @@
   <p:sldIdLst>
     <p:sldId id="258" r:id="rId2"/>
     <p:sldId id="259" r:id="rId3"/>
+    <p:sldId id="263" r:id="rId4"/>
+    <p:sldId id="264" r:id="rId5"/>
+    <p:sldId id="265" r:id="rId6"/>
   </p:sldIdLst>
   <p:sldSz cx="9144000" cy="6858000" type="screen4x3"/>
   <p:notesSz cx="6858000" cy="9144000"/>
@@ -290,7 +293,7 @@
             <a:fld id="{969AF993-ECBB-4568-B8C5-207C01070BCF}" type="datetimeFigureOut">
               <a:rPr lang="en-US" smtClean="0"/>
               <a:pPr/>
-              <a:t>5/8/2009</a:t>
+              <a:t>5/11/2009</a:t>
             </a:fld>
             <a:endParaRPr lang="en-US"/>
           </a:p>
@@ -457,7 +460,7 @@
             <a:fld id="{969AF993-ECBB-4568-B8C5-207C01070BCF}" type="datetimeFigureOut">
               <a:rPr lang="en-US" smtClean="0"/>
               <a:pPr/>
-              <a:t>5/8/2009</a:t>
+              <a:t>5/11/2009</a:t>
             </a:fld>
             <a:endParaRPr lang="en-US"/>
           </a:p>
@@ -634,7 +637,7 @@
             <a:fld id="{969AF993-ECBB-4568-B8C5-207C01070BCF}" type="datetimeFigureOut">
               <a:rPr lang="en-US" smtClean="0"/>
               <a:pPr/>
-              <a:t>5/8/2009</a:t>
+              <a:t>5/11/2009</a:t>
             </a:fld>
             <a:endParaRPr lang="en-US"/>
           </a:p>
@@ -801,7 +804,7 @@
             <a:fld id="{969AF993-ECBB-4568-B8C5-207C01070BCF}" type="datetimeFigureOut">
               <a:rPr lang="en-US" smtClean="0"/>
               <a:pPr/>
-              <a:t>5/8/2009</a:t>
+              <a:t>5/11/2009</a:t>
             </a:fld>
             <a:endParaRPr lang="en-US"/>
           </a:p>
@@ -1044,7 +1047,7 @@
             <a:fld id="{969AF993-ECBB-4568-B8C5-207C01070BCF}" type="datetimeFigureOut">
               <a:rPr lang="en-US" smtClean="0"/>
               <a:pPr/>
-              <a:t>5/8/2009</a:t>
+              <a:t>5/11/2009</a:t>
             </a:fld>
             <a:endParaRPr lang="en-US"/>
           </a:p>
@@ -1329,7 +1332,7 @@
             <a:fld id="{969AF993-ECBB-4568-B8C5-207C01070BCF}" type="datetimeFigureOut">
               <a:rPr lang="en-US" smtClean="0"/>
               <a:pPr/>
-              <a:t>5/8/2009</a:t>
+              <a:t>5/11/2009</a:t>
             </a:fld>
             <a:endParaRPr lang="en-US"/>
           </a:p>
@@ -1748,7 +1751,7 @@
             <a:fld id="{969AF993-ECBB-4568-B8C5-207C01070BCF}" type="datetimeFigureOut">
               <a:rPr lang="en-US" smtClean="0"/>
               <a:pPr/>
-              <a:t>5/8/2009</a:t>
+              <a:t>5/11/2009</a:t>
             </a:fld>
             <a:endParaRPr lang="en-US"/>
           </a:p>
@@ -1863,7 +1866,7 @@
             <a:fld id="{969AF993-ECBB-4568-B8C5-207C01070BCF}" type="datetimeFigureOut">
               <a:rPr lang="en-US" smtClean="0"/>
               <a:pPr/>
-              <a:t>5/8/2009</a:t>
+              <a:t>5/11/2009</a:t>
             </a:fld>
             <a:endParaRPr lang="en-US"/>
           </a:p>
@@ -1955,7 +1958,7 @@
             <a:fld id="{969AF993-ECBB-4568-B8C5-207C01070BCF}" type="datetimeFigureOut">
               <a:rPr lang="en-US" smtClean="0"/>
               <a:pPr/>
-              <a:t>5/8/2009</a:t>
+              <a:t>5/11/2009</a:t>
             </a:fld>
             <a:endParaRPr lang="en-US"/>
           </a:p>
@@ -2229,7 +2232,7 @@
             <a:fld id="{969AF993-ECBB-4568-B8C5-207C01070BCF}" type="datetimeFigureOut">
               <a:rPr lang="en-US" smtClean="0"/>
               <a:pPr/>
-              <a:t>5/8/2009</a:t>
+              <a:t>5/11/2009</a:t>
             </a:fld>
             <a:endParaRPr lang="en-US"/>
           </a:p>
@@ -2479,7 +2482,7 @@
             <a:fld id="{969AF993-ECBB-4568-B8C5-207C01070BCF}" type="datetimeFigureOut">
               <a:rPr lang="en-US" smtClean="0"/>
               <a:pPr/>
-              <a:t>5/8/2009</a:t>
+              <a:t>5/11/2009</a:t>
             </a:fld>
             <a:endParaRPr lang="en-US"/>
           </a:p>
@@ -2689,7 +2692,7 @@
             <a:fld id="{969AF993-ECBB-4568-B8C5-207C01070BCF}" type="datetimeFigureOut">
               <a:rPr lang="en-US" smtClean="0"/>
               <a:pPr/>
-              <a:t>5/8/2009</a:t>
+              <a:t>5/11/2009</a:t>
             </a:fld>
             <a:endParaRPr lang="en-US"/>
           </a:p>
@@ -4778,6 +4781,3201 @@
 </p:sld>
 </file>
 
+<file path=ppt/slides/slide3.xml><?xml version="1.0" encoding="utf-8"?>
+<p:sld xmlns:a="http://schemas.openxmlformats.org/drawingml/2006/main" xmlns:r="http://schemas.openxmlformats.org/officeDocument/2006/relationships" xmlns:p="http://schemas.openxmlformats.org/presentationml/2006/main">
+  <p:cSld>
+    <p:spTree>
+      <p:nvGrpSpPr>
+        <p:cNvPr id="1" name=""/>
+        <p:cNvGrpSpPr/>
+        <p:nvPr/>
+      </p:nvGrpSpPr>
+      <p:grpSpPr>
+        <a:xfrm>
+          <a:off x="0" y="0"/>
+          <a:ext cx="0" cy="0"/>
+          <a:chOff x="0" y="0"/>
+          <a:chExt cx="0" cy="0"/>
+        </a:xfrm>
+      </p:grpSpPr>
+      <p:sp>
+        <p:nvSpPr>
+          <p:cNvPr id="7" name="Vikt hörn 6"/>
+          <p:cNvSpPr/>
+          <p:nvPr/>
+        </p:nvSpPr>
+        <p:spPr bwMode="auto">
+          <a:xfrm>
+            <a:off x="7391400" y="3657600"/>
+            <a:ext cx="1066800" cy="914400"/>
+          </a:xfrm>
+          <a:prstGeom prst="foldedCorner">
+            <a:avLst/>
+          </a:prstGeom>
+          <a:solidFill>
+            <a:schemeClr val="bg1"/>
+          </a:solidFill>
+        </p:spPr>
+        <p:style>
+          <a:lnRef idx="2">
+            <a:schemeClr val="accent1">
+              <a:shade val="50000"/>
+            </a:schemeClr>
+          </a:lnRef>
+          <a:fillRef idx="1">
+            <a:schemeClr val="accent1"/>
+          </a:fillRef>
+          <a:effectRef idx="0">
+            <a:schemeClr val="accent1"/>
+          </a:effectRef>
+          <a:fontRef idx="minor">
+            <a:schemeClr val="lt1"/>
+          </a:fontRef>
+        </p:style>
+        <p:txBody>
+          <a:bodyPr anchor="ctr"/>
+          <a:lstStyle/>
+          <a:p>
+            <a:pPr algn="ctr" fontAlgn="auto">
+              <a:spcBef>
+                <a:spcPts val="0"/>
+              </a:spcBef>
+              <a:spcAft>
+                <a:spcPts val="0"/>
+              </a:spcAft>
+              <a:defRPr/>
+            </a:pPr>
+            <a:r>
+              <a:rPr lang="sv-SE" sz="1200" dirty="0" smtClean="0">
+                <a:solidFill>
+                  <a:schemeClr val="tx1"/>
+                </a:solidFill>
+              </a:rPr>
+              <a:t>RIV </a:t>
+            </a:r>
+            <a:r>
+              <a:rPr lang="sv-SE" sz="1200" dirty="0" smtClean="0">
+                <a:solidFill>
+                  <a:schemeClr val="tx1"/>
+                </a:solidFill>
+              </a:rPr>
+              <a:t>Teknisk</a:t>
+            </a:r>
+            <a:endParaRPr lang="en-US" sz="1200" dirty="0" smtClean="0">
+              <a:solidFill>
+                <a:schemeClr val="tx1"/>
+              </a:solidFill>
+            </a:endParaRPr>
+          </a:p>
+          <a:p>
+            <a:pPr algn="ctr" fontAlgn="auto">
+              <a:spcBef>
+                <a:spcPts val="0"/>
+              </a:spcBef>
+              <a:spcAft>
+                <a:spcPts val="0"/>
+              </a:spcAft>
+              <a:defRPr/>
+            </a:pPr>
+            <a:r>
+              <a:rPr lang="en-US" sz="1200" dirty="0" err="1" smtClean="0">
+                <a:solidFill>
+                  <a:schemeClr val="tx1"/>
+                </a:solidFill>
+              </a:rPr>
+              <a:t>a</a:t>
+            </a:r>
+            <a:r>
+              <a:rPr lang="en-US" sz="1200" dirty="0" err="1" smtClean="0">
+                <a:solidFill>
+                  <a:schemeClr val="tx1"/>
+                </a:solidFill>
+              </a:rPr>
+              <a:t>nvisning</a:t>
+            </a:r>
+            <a:r>
+              <a:rPr lang="en-US" sz="1200" dirty="0" smtClean="0">
+                <a:solidFill>
+                  <a:schemeClr val="tx1"/>
+                </a:solidFill>
+              </a:rPr>
+              <a:t> </a:t>
+            </a:r>
+            <a:r>
+              <a:rPr lang="en-US" sz="1200" dirty="0" err="1" smtClean="0">
+                <a:solidFill>
+                  <a:schemeClr val="tx1"/>
+                </a:solidFill>
+              </a:rPr>
+              <a:t>Tjänste</a:t>
+            </a:r>
+            <a:r>
+              <a:rPr lang="en-US" sz="1200" dirty="0" smtClean="0">
+                <a:solidFill>
+                  <a:schemeClr val="tx1"/>
+                </a:solidFill>
+              </a:rPr>
+              <a:t>-schema</a:t>
+            </a:r>
+            <a:endParaRPr lang="en-US" sz="1200" dirty="0">
+              <a:solidFill>
+                <a:schemeClr val="tx1"/>
+              </a:solidFill>
+            </a:endParaRPr>
+          </a:p>
+        </p:txBody>
+      </p:sp>
+      <p:sp>
+        <p:nvSpPr>
+          <p:cNvPr id="8" name="Vikt hörn 7"/>
+          <p:cNvSpPr/>
+          <p:nvPr/>
+        </p:nvSpPr>
+        <p:spPr bwMode="auto">
+          <a:xfrm>
+            <a:off x="7391400" y="4953000"/>
+            <a:ext cx="1066800" cy="838200"/>
+          </a:xfrm>
+          <a:prstGeom prst="foldedCorner">
+            <a:avLst/>
+          </a:prstGeom>
+          <a:solidFill>
+            <a:schemeClr val="bg1"/>
+          </a:solidFill>
+        </p:spPr>
+        <p:style>
+          <a:lnRef idx="2">
+            <a:schemeClr val="accent1">
+              <a:shade val="50000"/>
+            </a:schemeClr>
+          </a:lnRef>
+          <a:fillRef idx="1">
+            <a:schemeClr val="accent1"/>
+          </a:fillRef>
+          <a:effectRef idx="0">
+            <a:schemeClr val="accent1"/>
+          </a:effectRef>
+          <a:fontRef idx="minor">
+            <a:schemeClr val="lt1"/>
+          </a:fontRef>
+        </p:style>
+        <p:txBody>
+          <a:bodyPr anchor="ctr"/>
+          <a:lstStyle/>
+          <a:p>
+            <a:pPr algn="ctr" fontAlgn="auto">
+              <a:spcBef>
+                <a:spcPts val="0"/>
+              </a:spcBef>
+              <a:spcAft>
+                <a:spcPts val="0"/>
+              </a:spcAft>
+              <a:defRPr/>
+            </a:pPr>
+            <a:r>
+              <a:rPr lang="sv-SE" sz="1200" dirty="0" smtClean="0">
+                <a:solidFill>
+                  <a:schemeClr val="tx1"/>
+                </a:solidFill>
+              </a:rPr>
+              <a:t>RIV </a:t>
+            </a:r>
+            <a:r>
+              <a:rPr lang="sv-SE" sz="1200" dirty="0" err="1" smtClean="0">
+                <a:solidFill>
+                  <a:schemeClr val="tx1"/>
+                </a:solidFill>
+              </a:rPr>
+              <a:t>Metod-a</a:t>
+            </a:r>
+            <a:r>
+              <a:rPr lang="en-US" sz="1200" dirty="0" err="1" smtClean="0">
+                <a:solidFill>
+                  <a:schemeClr val="tx1"/>
+                </a:solidFill>
+              </a:rPr>
+              <a:t>nvisningar</a:t>
+            </a:r>
+            <a:endParaRPr lang="en-US" sz="1200" dirty="0">
+              <a:solidFill>
+                <a:schemeClr val="tx1"/>
+              </a:solidFill>
+            </a:endParaRPr>
+          </a:p>
+        </p:txBody>
+      </p:sp>
+      <p:sp>
+        <p:nvSpPr>
+          <p:cNvPr id="17" name="Vikt hörn 16"/>
+          <p:cNvSpPr/>
+          <p:nvPr/>
+        </p:nvSpPr>
+        <p:spPr bwMode="auto">
+          <a:xfrm>
+            <a:off x="7696200" y="1371600"/>
+            <a:ext cx="990600" cy="1219200"/>
+          </a:xfrm>
+          <a:prstGeom prst="foldedCorner">
+            <a:avLst/>
+          </a:prstGeom>
+          <a:solidFill>
+            <a:schemeClr val="bg1"/>
+          </a:solidFill>
+        </p:spPr>
+        <p:style>
+          <a:lnRef idx="2">
+            <a:schemeClr val="accent1">
+              <a:shade val="50000"/>
+            </a:schemeClr>
+          </a:lnRef>
+          <a:fillRef idx="1">
+            <a:schemeClr val="accent1"/>
+          </a:fillRef>
+          <a:effectRef idx="0">
+            <a:schemeClr val="accent1"/>
+          </a:effectRef>
+          <a:fontRef idx="minor">
+            <a:schemeClr val="lt1"/>
+          </a:fontRef>
+        </p:style>
+        <p:txBody>
+          <a:bodyPr anchor="ctr"/>
+          <a:lstStyle/>
+          <a:p>
+            <a:pPr algn="ctr" fontAlgn="auto">
+              <a:spcBef>
+                <a:spcPts val="0"/>
+              </a:spcBef>
+              <a:spcAft>
+                <a:spcPts val="0"/>
+              </a:spcAft>
+              <a:defRPr/>
+            </a:pPr>
+            <a:endParaRPr lang="en-US" sz="1200" dirty="0">
+              <a:solidFill>
+                <a:schemeClr val="tx1"/>
+              </a:solidFill>
+            </a:endParaRPr>
+          </a:p>
+        </p:txBody>
+      </p:sp>
+      <p:sp>
+        <p:nvSpPr>
+          <p:cNvPr id="16" name="Vikt hörn 15"/>
+          <p:cNvSpPr/>
+          <p:nvPr/>
+        </p:nvSpPr>
+        <p:spPr bwMode="auto">
+          <a:xfrm>
+            <a:off x="7543800" y="1219200"/>
+            <a:ext cx="990600" cy="1219200"/>
+          </a:xfrm>
+          <a:prstGeom prst="foldedCorner">
+            <a:avLst/>
+          </a:prstGeom>
+          <a:solidFill>
+            <a:schemeClr val="bg1"/>
+          </a:solidFill>
+        </p:spPr>
+        <p:style>
+          <a:lnRef idx="2">
+            <a:schemeClr val="accent1">
+              <a:shade val="50000"/>
+            </a:schemeClr>
+          </a:lnRef>
+          <a:fillRef idx="1">
+            <a:schemeClr val="accent1"/>
+          </a:fillRef>
+          <a:effectRef idx="0">
+            <a:schemeClr val="accent1"/>
+          </a:effectRef>
+          <a:fontRef idx="minor">
+            <a:schemeClr val="lt1"/>
+          </a:fontRef>
+        </p:style>
+        <p:txBody>
+          <a:bodyPr anchor="ctr"/>
+          <a:lstStyle/>
+          <a:p>
+            <a:pPr algn="ctr" fontAlgn="auto">
+              <a:spcBef>
+                <a:spcPts val="0"/>
+              </a:spcBef>
+              <a:spcAft>
+                <a:spcPts val="0"/>
+              </a:spcAft>
+              <a:defRPr/>
+            </a:pPr>
+            <a:endParaRPr lang="en-US" sz="1200" dirty="0">
+              <a:solidFill>
+                <a:schemeClr val="tx1"/>
+              </a:solidFill>
+            </a:endParaRPr>
+          </a:p>
+        </p:txBody>
+      </p:sp>
+      <p:sp>
+        <p:nvSpPr>
+          <p:cNvPr id="6" name="Vikt hörn 5"/>
+          <p:cNvSpPr/>
+          <p:nvPr/>
+        </p:nvSpPr>
+        <p:spPr bwMode="auto">
+          <a:xfrm>
+            <a:off x="7391400" y="1066800"/>
+            <a:ext cx="990600" cy="1219200"/>
+          </a:xfrm>
+          <a:prstGeom prst="foldedCorner">
+            <a:avLst/>
+          </a:prstGeom>
+          <a:solidFill>
+            <a:schemeClr val="bg1"/>
+          </a:solidFill>
+        </p:spPr>
+        <p:style>
+          <a:lnRef idx="2">
+            <a:schemeClr val="accent1">
+              <a:shade val="50000"/>
+            </a:schemeClr>
+          </a:lnRef>
+          <a:fillRef idx="1">
+            <a:schemeClr val="accent1"/>
+          </a:fillRef>
+          <a:effectRef idx="0">
+            <a:schemeClr val="accent1"/>
+          </a:effectRef>
+          <a:fontRef idx="minor">
+            <a:schemeClr val="lt1"/>
+          </a:fontRef>
+        </p:style>
+        <p:txBody>
+          <a:bodyPr anchor="ctr"/>
+          <a:lstStyle/>
+          <a:p>
+            <a:pPr algn="ctr" fontAlgn="auto">
+              <a:spcBef>
+                <a:spcPts val="0"/>
+              </a:spcBef>
+              <a:spcAft>
+                <a:spcPts val="0"/>
+              </a:spcAft>
+              <a:defRPr/>
+            </a:pPr>
+            <a:r>
+              <a:rPr lang="en-US" sz="1200" dirty="0" smtClean="0">
+                <a:solidFill>
+                  <a:schemeClr val="tx1"/>
+                </a:solidFill>
+              </a:rPr>
+              <a:t>RIV </a:t>
+            </a:r>
+          </a:p>
+          <a:p>
+            <a:pPr algn="ctr" fontAlgn="auto">
+              <a:spcBef>
+                <a:spcPts val="0"/>
+              </a:spcBef>
+              <a:spcAft>
+                <a:spcPts val="0"/>
+              </a:spcAft>
+              <a:defRPr/>
+            </a:pPr>
+            <a:r>
+              <a:rPr lang="en-US" sz="1200" dirty="0" err="1" smtClean="0">
+                <a:solidFill>
+                  <a:schemeClr val="tx1"/>
+                </a:solidFill>
+              </a:rPr>
+              <a:t>Teknisk</a:t>
+            </a:r>
+            <a:r>
+              <a:rPr lang="en-US" sz="1200" dirty="0" smtClean="0">
+                <a:solidFill>
+                  <a:schemeClr val="tx1"/>
+                </a:solidFill>
+              </a:rPr>
+              <a:t> </a:t>
+            </a:r>
+            <a:r>
+              <a:rPr lang="en-US" sz="1200" dirty="0" err="1" smtClean="0">
+                <a:solidFill>
+                  <a:schemeClr val="tx1"/>
+                </a:solidFill>
+              </a:rPr>
+              <a:t>anvisning</a:t>
+            </a:r>
+            <a:endParaRPr lang="en-US" sz="1200" dirty="0">
+              <a:solidFill>
+                <a:schemeClr val="tx1"/>
+              </a:solidFill>
+            </a:endParaRPr>
+          </a:p>
+          <a:p>
+            <a:pPr algn="ctr" fontAlgn="auto">
+              <a:spcBef>
+                <a:spcPts val="0"/>
+              </a:spcBef>
+              <a:spcAft>
+                <a:spcPts val="0"/>
+              </a:spcAft>
+              <a:defRPr/>
+            </a:pPr>
+            <a:r>
+              <a:rPr lang="en-US" sz="1200" dirty="0" err="1" smtClean="0">
+                <a:solidFill>
+                  <a:schemeClr val="tx1"/>
+                </a:solidFill>
+              </a:rPr>
+              <a:t>Profil</a:t>
+            </a:r>
+            <a:r>
+              <a:rPr lang="en-US" sz="1200" dirty="0" smtClean="0">
+                <a:solidFill>
+                  <a:schemeClr val="tx1"/>
+                </a:solidFill>
+              </a:rPr>
+              <a:t> </a:t>
+            </a:r>
+            <a:r>
+              <a:rPr lang="en-US" sz="1200" dirty="0" err="1" smtClean="0">
+                <a:solidFill>
+                  <a:schemeClr val="tx1"/>
+                </a:solidFill>
+              </a:rPr>
+              <a:t>n.n</a:t>
+            </a:r>
+            <a:endParaRPr lang="en-US" sz="1200" dirty="0">
+              <a:solidFill>
+                <a:schemeClr val="tx1"/>
+              </a:solidFill>
+            </a:endParaRPr>
+          </a:p>
+          <a:p>
+            <a:pPr algn="ctr" fontAlgn="auto">
+              <a:spcBef>
+                <a:spcPts val="0"/>
+              </a:spcBef>
+              <a:spcAft>
+                <a:spcPts val="0"/>
+              </a:spcAft>
+              <a:defRPr/>
+            </a:pPr>
+            <a:r>
+              <a:rPr lang="en-US" sz="1200" dirty="0" smtClean="0">
+                <a:solidFill>
+                  <a:schemeClr val="tx1"/>
+                </a:solidFill>
+              </a:rPr>
+              <a:t>(en </a:t>
+            </a:r>
+            <a:r>
+              <a:rPr lang="en-US" sz="1200" dirty="0" err="1" smtClean="0">
+                <a:solidFill>
+                  <a:schemeClr val="tx1"/>
+                </a:solidFill>
+              </a:rPr>
+              <a:t>av</a:t>
+            </a:r>
+            <a:r>
+              <a:rPr lang="en-US" sz="1200" dirty="0" smtClean="0">
+                <a:solidFill>
+                  <a:schemeClr val="tx1"/>
+                </a:solidFill>
+              </a:rPr>
+              <a:t> </a:t>
+            </a:r>
+            <a:r>
+              <a:rPr lang="en-US" sz="1200" dirty="0" err="1" smtClean="0">
+                <a:solidFill>
+                  <a:schemeClr val="tx1"/>
+                </a:solidFill>
+              </a:rPr>
+              <a:t>flera</a:t>
+            </a:r>
+            <a:r>
+              <a:rPr lang="en-US" sz="1200" dirty="0">
+                <a:solidFill>
+                  <a:schemeClr val="tx1"/>
+                </a:solidFill>
+              </a:rPr>
+              <a:t>) </a:t>
+            </a:r>
+          </a:p>
+        </p:txBody>
+      </p:sp>
+      <p:sp>
+        <p:nvSpPr>
+          <p:cNvPr id="22" name="textruta 6"/>
+          <p:cNvSpPr txBox="1">
+            <a:spLocks noChangeArrowheads="1"/>
+          </p:cNvSpPr>
+          <p:nvPr/>
+        </p:nvSpPr>
+        <p:spPr bwMode="auto">
+          <a:xfrm>
+            <a:off x="304800" y="228600"/>
+            <a:ext cx="3069623" cy="338554"/>
+          </a:xfrm>
+          <a:prstGeom prst="rect">
+            <a:avLst/>
+          </a:prstGeom>
+          <a:noFill/>
+          <a:ln w="9525">
+            <a:noFill/>
+            <a:miter lim="800000"/>
+            <a:headEnd/>
+            <a:tailEnd/>
+          </a:ln>
+        </p:spPr>
+        <p:txBody>
+          <a:bodyPr wrap="none">
+            <a:spAutoFit/>
+          </a:bodyPr>
+          <a:lstStyle/>
+          <a:p>
+            <a:r>
+              <a:rPr lang="en-US" sz="1600" b="1" dirty="0" err="1" smtClean="0">
+                <a:latin typeface="Calibri" pitchFamily="34" charset="0"/>
+              </a:rPr>
+              <a:t>Tjänsteinteraktionstyp</a:t>
+            </a:r>
+            <a:r>
+              <a:rPr lang="en-US" sz="1600" b="1" dirty="0" smtClean="0">
+                <a:latin typeface="Calibri" pitchFamily="34" charset="0"/>
+              </a:rPr>
+              <a:t>: </a:t>
+            </a:r>
+            <a:r>
+              <a:rPr lang="en-US" sz="1600" b="1" dirty="0" err="1" smtClean="0">
+                <a:latin typeface="Calibri" pitchFamily="34" charset="0"/>
+              </a:rPr>
+              <a:t>Fråga-svar</a:t>
+            </a:r>
+            <a:endParaRPr lang="en-US" sz="1600" b="1" dirty="0" smtClean="0">
+              <a:latin typeface="Calibri" pitchFamily="34" charset="0"/>
+            </a:endParaRPr>
+          </a:p>
+        </p:txBody>
+      </p:sp>
+      <p:cxnSp>
+        <p:nvCxnSpPr>
+          <p:cNvPr id="9" name="Rak 8"/>
+          <p:cNvCxnSpPr/>
+          <p:nvPr/>
+        </p:nvCxnSpPr>
+        <p:spPr bwMode="auto">
+          <a:xfrm>
+            <a:off x="381000" y="1828800"/>
+            <a:ext cx="6858000" cy="1588"/>
+          </a:xfrm>
+          <a:prstGeom prst="line">
+            <a:avLst/>
+          </a:prstGeom>
+          <a:ln w="0"/>
+        </p:spPr>
+        <p:style>
+          <a:lnRef idx="2">
+            <a:schemeClr val="accent1"/>
+          </a:lnRef>
+          <a:fillRef idx="0">
+            <a:schemeClr val="accent1"/>
+          </a:fillRef>
+          <a:effectRef idx="1">
+            <a:schemeClr val="accent1"/>
+          </a:effectRef>
+          <a:fontRef idx="minor">
+            <a:schemeClr val="tx1"/>
+          </a:fontRef>
+        </p:style>
+      </p:cxnSp>
+      <p:cxnSp>
+        <p:nvCxnSpPr>
+          <p:cNvPr id="10" name="Rak 9"/>
+          <p:cNvCxnSpPr/>
+          <p:nvPr/>
+        </p:nvCxnSpPr>
+        <p:spPr bwMode="auto">
+          <a:xfrm flipV="1">
+            <a:off x="381000" y="3352800"/>
+            <a:ext cx="8229600" cy="0"/>
+          </a:xfrm>
+          <a:prstGeom prst="line">
+            <a:avLst/>
+          </a:prstGeom>
+          <a:ln w="0"/>
+        </p:spPr>
+        <p:style>
+          <a:lnRef idx="2">
+            <a:schemeClr val="accent1"/>
+          </a:lnRef>
+          <a:fillRef idx="0">
+            <a:schemeClr val="accent1"/>
+          </a:fillRef>
+          <a:effectRef idx="1">
+            <a:schemeClr val="accent1"/>
+          </a:effectRef>
+          <a:fontRef idx="minor">
+            <a:schemeClr val="tx1"/>
+          </a:fontRef>
+        </p:style>
+      </p:cxnSp>
+      <p:cxnSp>
+        <p:nvCxnSpPr>
+          <p:cNvPr id="11" name="Rak 10"/>
+          <p:cNvCxnSpPr/>
+          <p:nvPr/>
+        </p:nvCxnSpPr>
+        <p:spPr bwMode="auto">
+          <a:xfrm flipV="1">
+            <a:off x="381000" y="4800600"/>
+            <a:ext cx="8229600" cy="0"/>
+          </a:xfrm>
+          <a:prstGeom prst="line">
+            <a:avLst/>
+          </a:prstGeom>
+          <a:ln w="0"/>
+        </p:spPr>
+        <p:style>
+          <a:lnRef idx="2">
+            <a:schemeClr val="accent1"/>
+          </a:lnRef>
+          <a:fillRef idx="0">
+            <a:schemeClr val="accent1"/>
+          </a:fillRef>
+          <a:effectRef idx="1">
+            <a:schemeClr val="accent1"/>
+          </a:effectRef>
+          <a:fontRef idx="minor">
+            <a:schemeClr val="tx1"/>
+          </a:fontRef>
+        </p:style>
+      </p:cxnSp>
+      <p:sp>
+        <p:nvSpPr>
+          <p:cNvPr id="18" name="textruta 6"/>
+          <p:cNvSpPr txBox="1">
+            <a:spLocks noChangeArrowheads="1"/>
+          </p:cNvSpPr>
+          <p:nvPr/>
+        </p:nvSpPr>
+        <p:spPr bwMode="auto">
+          <a:xfrm>
+            <a:off x="381000" y="1143000"/>
+            <a:ext cx="1721433" cy="523220"/>
+          </a:xfrm>
+          <a:prstGeom prst="rect">
+            <a:avLst/>
+          </a:prstGeom>
+          <a:noFill/>
+          <a:ln w="9525">
+            <a:noFill/>
+            <a:miter lim="800000"/>
+            <a:headEnd/>
+            <a:tailEnd/>
+          </a:ln>
+        </p:spPr>
+        <p:txBody>
+          <a:bodyPr wrap="none">
+            <a:spAutoFit/>
+          </a:bodyPr>
+          <a:lstStyle/>
+          <a:p>
+            <a:r>
+              <a:rPr lang="en-US" sz="1400" b="1" dirty="0" err="1" smtClean="0">
+                <a:latin typeface="Calibri" pitchFamily="34" charset="0"/>
+              </a:rPr>
+              <a:t>Tjänsteinteraktion</a:t>
+            </a:r>
+            <a:endParaRPr lang="en-US" sz="1400" b="1" dirty="0" smtClean="0">
+              <a:latin typeface="Calibri" pitchFamily="34" charset="0"/>
+            </a:endParaRPr>
+          </a:p>
+          <a:p>
+            <a:r>
+              <a:rPr lang="sv-SE" sz="1400" dirty="0" smtClean="0">
+                <a:latin typeface="Calibri" pitchFamily="34" charset="0"/>
+              </a:rPr>
+              <a:t>Teknisk form: </a:t>
+            </a:r>
+            <a:r>
+              <a:rPr lang="sv-SE" sz="1400" dirty="0" err="1" smtClean="0">
+                <a:latin typeface="Calibri" pitchFamily="34" charset="0"/>
+              </a:rPr>
+              <a:t>wsdl-fil</a:t>
+            </a:r>
+            <a:endParaRPr lang="en-US" sz="1400" dirty="0" smtClean="0">
+              <a:latin typeface="Calibri" pitchFamily="34" charset="0"/>
+            </a:endParaRPr>
+          </a:p>
+        </p:txBody>
+      </p:sp>
+      <p:sp>
+        <p:nvSpPr>
+          <p:cNvPr id="19" name="textruta 6"/>
+          <p:cNvSpPr txBox="1">
+            <a:spLocks noChangeArrowheads="1"/>
+          </p:cNvSpPr>
+          <p:nvPr/>
+        </p:nvSpPr>
+        <p:spPr bwMode="auto">
+          <a:xfrm>
+            <a:off x="381000" y="2286000"/>
+            <a:ext cx="1721433" cy="738664"/>
+          </a:xfrm>
+          <a:prstGeom prst="rect">
+            <a:avLst/>
+          </a:prstGeom>
+          <a:noFill/>
+          <a:ln w="9525">
+            <a:noFill/>
+            <a:miter lim="800000"/>
+            <a:headEnd/>
+            <a:tailEnd/>
+          </a:ln>
+        </p:spPr>
+        <p:txBody>
+          <a:bodyPr wrap="none">
+            <a:spAutoFit/>
+          </a:bodyPr>
+          <a:lstStyle/>
+          <a:p>
+            <a:r>
+              <a:rPr lang="en-US" sz="1400" b="1" dirty="0" err="1" smtClean="0">
+                <a:latin typeface="Calibri" pitchFamily="34" charset="0"/>
+              </a:rPr>
+              <a:t>Operationer</a:t>
+            </a:r>
+            <a:r>
+              <a:rPr lang="en-US" sz="1400" b="1" dirty="0" smtClean="0">
+                <a:latin typeface="Calibri" pitchFamily="34" charset="0"/>
+              </a:rPr>
+              <a:t> </a:t>
+            </a:r>
+            <a:r>
+              <a:rPr lang="en-US" sz="1400" b="1" dirty="0" err="1" smtClean="0">
+                <a:latin typeface="Calibri" pitchFamily="34" charset="0"/>
+              </a:rPr>
+              <a:t>i</a:t>
+            </a:r>
+            <a:r>
+              <a:rPr lang="en-US" sz="1400" b="1" dirty="0" smtClean="0">
+                <a:latin typeface="Calibri" pitchFamily="34" charset="0"/>
+              </a:rPr>
+              <a:t> </a:t>
+            </a:r>
+          </a:p>
+          <a:p>
+            <a:r>
+              <a:rPr lang="en-US" sz="1400" b="1" dirty="0" err="1" smtClean="0">
+                <a:latin typeface="Calibri" pitchFamily="34" charset="0"/>
+              </a:rPr>
+              <a:t>tjänstekontrakt</a:t>
+            </a:r>
+            <a:endParaRPr lang="en-US" sz="1400" b="1" dirty="0" smtClean="0">
+              <a:latin typeface="Calibri" pitchFamily="34" charset="0"/>
+            </a:endParaRPr>
+          </a:p>
+          <a:p>
+            <a:r>
+              <a:rPr lang="sv-SE" sz="1400" dirty="0" smtClean="0">
+                <a:latin typeface="Calibri" pitchFamily="34" charset="0"/>
+              </a:rPr>
+              <a:t>Teknisk form: </a:t>
+            </a:r>
+            <a:r>
+              <a:rPr lang="sv-SE" sz="1400" dirty="0" err="1" smtClean="0">
+                <a:latin typeface="Calibri" pitchFamily="34" charset="0"/>
+              </a:rPr>
+              <a:t>wsdl-fil</a:t>
+            </a:r>
+            <a:endParaRPr lang="en-US" sz="1400" dirty="0" smtClean="0">
+              <a:latin typeface="Calibri" pitchFamily="34" charset="0"/>
+            </a:endParaRPr>
+          </a:p>
+        </p:txBody>
+      </p:sp>
+      <p:sp>
+        <p:nvSpPr>
+          <p:cNvPr id="20" name="textruta 6"/>
+          <p:cNvSpPr txBox="1">
+            <a:spLocks noChangeArrowheads="1"/>
+          </p:cNvSpPr>
+          <p:nvPr/>
+        </p:nvSpPr>
+        <p:spPr bwMode="auto">
+          <a:xfrm>
+            <a:off x="457200" y="3478649"/>
+            <a:ext cx="1670714" cy="1169551"/>
+          </a:xfrm>
+          <a:prstGeom prst="rect">
+            <a:avLst/>
+          </a:prstGeom>
+          <a:noFill/>
+          <a:ln w="9525">
+            <a:noFill/>
+            <a:miter lim="800000"/>
+            <a:headEnd/>
+            <a:tailEnd/>
+          </a:ln>
+        </p:spPr>
+        <p:txBody>
+          <a:bodyPr wrap="none">
+            <a:spAutoFit/>
+          </a:bodyPr>
+          <a:lstStyle/>
+          <a:p>
+            <a:r>
+              <a:rPr lang="en-US" sz="1400" b="1" dirty="0" err="1" smtClean="0">
+                <a:latin typeface="Calibri" pitchFamily="34" charset="0"/>
+              </a:rPr>
+              <a:t>Parametrar</a:t>
+            </a:r>
+            <a:r>
+              <a:rPr lang="en-US" sz="1400" b="1" dirty="0" smtClean="0">
+                <a:latin typeface="Calibri" pitchFamily="34" charset="0"/>
+              </a:rPr>
+              <a:t> </a:t>
+            </a:r>
+            <a:r>
+              <a:rPr lang="en-US" sz="1400" b="1" dirty="0" err="1" smtClean="0">
+                <a:latin typeface="Calibri" pitchFamily="34" charset="0"/>
+              </a:rPr>
+              <a:t>och</a:t>
+            </a:r>
+            <a:r>
+              <a:rPr lang="en-US" sz="1400" b="1" dirty="0" smtClean="0">
+                <a:latin typeface="Calibri" pitchFamily="34" charset="0"/>
+              </a:rPr>
+              <a:t> </a:t>
+            </a:r>
+          </a:p>
+          <a:p>
+            <a:r>
+              <a:rPr lang="en-US" sz="1400" b="1" dirty="0" err="1" smtClean="0">
+                <a:latin typeface="Calibri" pitchFamily="34" charset="0"/>
+              </a:rPr>
+              <a:t>returvärden</a:t>
+            </a:r>
+            <a:r>
+              <a:rPr lang="en-US" sz="1400" b="1" dirty="0" smtClean="0">
+                <a:latin typeface="Calibri" pitchFamily="34" charset="0"/>
+              </a:rPr>
+              <a:t> </a:t>
+            </a:r>
+            <a:r>
+              <a:rPr lang="en-US" sz="1400" b="1" dirty="0" err="1" smtClean="0">
+                <a:latin typeface="Calibri" pitchFamily="34" charset="0"/>
+              </a:rPr>
+              <a:t>i</a:t>
+            </a:r>
+            <a:r>
+              <a:rPr lang="en-US" sz="1400" b="1" dirty="0" smtClean="0">
+                <a:latin typeface="Calibri" pitchFamily="34" charset="0"/>
+              </a:rPr>
+              <a:t> </a:t>
+            </a:r>
+          </a:p>
+          <a:p>
+            <a:r>
+              <a:rPr lang="en-US" sz="1400" b="1" dirty="0" err="1" smtClean="0">
+                <a:latin typeface="Calibri" pitchFamily="34" charset="0"/>
+              </a:rPr>
+              <a:t>t</a:t>
+            </a:r>
+            <a:r>
+              <a:rPr lang="en-US" sz="1400" b="1" dirty="0" err="1" smtClean="0">
+                <a:latin typeface="Calibri" pitchFamily="34" charset="0"/>
+              </a:rPr>
+              <a:t>jänstekontrakt</a:t>
+            </a:r>
+            <a:endParaRPr lang="en-US" sz="1400" b="1" dirty="0" smtClean="0">
+              <a:latin typeface="Calibri" pitchFamily="34" charset="0"/>
+            </a:endParaRPr>
+          </a:p>
+          <a:p>
+            <a:r>
+              <a:rPr lang="sv-SE" sz="1400" dirty="0" smtClean="0">
+                <a:latin typeface="Calibri" pitchFamily="34" charset="0"/>
+              </a:rPr>
+              <a:t>Teknisk form:  </a:t>
+            </a:r>
+            <a:r>
+              <a:rPr lang="sv-SE" sz="1400" dirty="0" err="1" smtClean="0">
+                <a:latin typeface="Calibri" pitchFamily="34" charset="0"/>
+              </a:rPr>
+              <a:t>xsd-fil</a:t>
+            </a:r>
+            <a:r>
+              <a:rPr lang="sv-SE" sz="1400" dirty="0" smtClean="0">
+                <a:latin typeface="Calibri" pitchFamily="34" charset="0"/>
+              </a:rPr>
+              <a:t/>
+            </a:r>
+            <a:br>
+              <a:rPr lang="sv-SE" sz="1400" dirty="0" smtClean="0">
+                <a:latin typeface="Calibri" pitchFamily="34" charset="0"/>
+              </a:rPr>
+            </a:br>
+            <a:r>
+              <a:rPr lang="sv-SE" sz="1400" dirty="0" smtClean="0">
+                <a:latin typeface="Calibri" pitchFamily="34" charset="0"/>
+              </a:rPr>
+              <a:t>(tjänsteschema)</a:t>
+            </a:r>
+            <a:endParaRPr lang="en-US" sz="1400" dirty="0" smtClean="0">
+              <a:latin typeface="Calibri" pitchFamily="34" charset="0"/>
+            </a:endParaRPr>
+          </a:p>
+        </p:txBody>
+      </p:sp>
+      <p:sp>
+        <p:nvSpPr>
+          <p:cNvPr id="21" name="textruta 6"/>
+          <p:cNvSpPr txBox="1">
+            <a:spLocks noChangeArrowheads="1"/>
+          </p:cNvSpPr>
+          <p:nvPr/>
+        </p:nvSpPr>
+        <p:spPr bwMode="auto">
+          <a:xfrm>
+            <a:off x="457200" y="5029200"/>
+            <a:ext cx="1670714" cy="523220"/>
+          </a:xfrm>
+          <a:prstGeom prst="rect">
+            <a:avLst/>
+          </a:prstGeom>
+          <a:noFill/>
+          <a:ln w="9525">
+            <a:noFill/>
+            <a:miter lim="800000"/>
+            <a:headEnd/>
+            <a:tailEnd/>
+          </a:ln>
+        </p:spPr>
+        <p:txBody>
+          <a:bodyPr wrap="none">
+            <a:spAutoFit/>
+          </a:bodyPr>
+          <a:lstStyle/>
+          <a:p>
+            <a:r>
+              <a:rPr lang="en-US" sz="1400" b="1" dirty="0" smtClean="0">
+                <a:latin typeface="Calibri" pitchFamily="34" charset="0"/>
+              </a:rPr>
+              <a:t>RIV </a:t>
+            </a:r>
+            <a:r>
+              <a:rPr lang="en-US" sz="1400" b="1" dirty="0" err="1" smtClean="0">
+                <a:latin typeface="Calibri" pitchFamily="34" charset="0"/>
+              </a:rPr>
+              <a:t>m</a:t>
+            </a:r>
+            <a:r>
+              <a:rPr lang="en-US" sz="1400" b="1" dirty="0" err="1" smtClean="0">
+                <a:latin typeface="Calibri" pitchFamily="34" charset="0"/>
+              </a:rPr>
+              <a:t>eddelanden</a:t>
+            </a:r>
+            <a:endParaRPr lang="en-US" sz="1400" b="1" dirty="0" smtClean="0">
+              <a:latin typeface="Calibri" pitchFamily="34" charset="0"/>
+            </a:endParaRPr>
+          </a:p>
+          <a:p>
+            <a:r>
+              <a:rPr lang="sv-SE" sz="1400" dirty="0" smtClean="0">
+                <a:latin typeface="Calibri" pitchFamily="34" charset="0"/>
+              </a:rPr>
+              <a:t>Teknisk </a:t>
+            </a:r>
+            <a:r>
+              <a:rPr lang="sv-SE" sz="1400" dirty="0" smtClean="0">
+                <a:latin typeface="Calibri" pitchFamily="34" charset="0"/>
+              </a:rPr>
+              <a:t>form:  </a:t>
+            </a:r>
+            <a:r>
+              <a:rPr lang="sv-SE" sz="1400" dirty="0" err="1" smtClean="0">
+                <a:latin typeface="Calibri" pitchFamily="34" charset="0"/>
+              </a:rPr>
+              <a:t>xsd-fil</a:t>
+            </a:r>
+            <a:endParaRPr lang="en-US" sz="1400" dirty="0" smtClean="0">
+              <a:latin typeface="Calibri" pitchFamily="34" charset="0"/>
+            </a:endParaRPr>
+          </a:p>
+        </p:txBody>
+      </p:sp>
+      <p:pic>
+        <p:nvPicPr>
+          <p:cNvPr id="4102" name="Picture 6"/>
+          <p:cNvPicPr>
+            <a:picLocks noChangeAspect="1" noChangeArrowheads="1"/>
+          </p:cNvPicPr>
+          <p:nvPr/>
+        </p:nvPicPr>
+        <p:blipFill>
+          <a:blip r:embed="rId2"/>
+          <a:srcRect/>
+          <a:stretch>
+            <a:fillRect/>
+          </a:stretch>
+        </p:blipFill>
+        <p:spPr bwMode="auto">
+          <a:xfrm>
+            <a:off x="2071688" y="804863"/>
+            <a:ext cx="5000625" cy="5248275"/>
+          </a:xfrm>
+          <a:prstGeom prst="rect">
+            <a:avLst/>
+          </a:prstGeom>
+          <a:noFill/>
+          <a:ln w="9525">
+            <a:noFill/>
+            <a:miter lim="800000"/>
+            <a:headEnd/>
+            <a:tailEnd/>
+          </a:ln>
+          <a:effectLst/>
+        </p:spPr>
+      </p:pic>
+    </p:spTree>
+  </p:cSld>
+  <p:clrMapOvr>
+    <a:masterClrMapping/>
+  </p:clrMapOvr>
+</p:sld>
+</file>
+
+<file path=ppt/slides/slide4.xml><?xml version="1.0" encoding="utf-8"?>
+<p:sld xmlns:a="http://schemas.openxmlformats.org/drawingml/2006/main" xmlns:r="http://schemas.openxmlformats.org/officeDocument/2006/relationships" xmlns:p="http://schemas.openxmlformats.org/presentationml/2006/main">
+  <p:cSld>
+    <p:spTree>
+      <p:nvGrpSpPr>
+        <p:cNvPr id="1" name=""/>
+        <p:cNvGrpSpPr/>
+        <p:nvPr/>
+      </p:nvGrpSpPr>
+      <p:grpSpPr>
+        <a:xfrm>
+          <a:off x="0" y="0"/>
+          <a:ext cx="0" cy="0"/>
+          <a:chOff x="0" y="0"/>
+          <a:chExt cx="0" cy="0"/>
+        </a:xfrm>
+      </p:grpSpPr>
+      <p:sp>
+        <p:nvSpPr>
+          <p:cNvPr id="5" name="textruta 6"/>
+          <p:cNvSpPr txBox="1">
+            <a:spLocks noChangeArrowheads="1"/>
+          </p:cNvSpPr>
+          <p:nvPr/>
+        </p:nvSpPr>
+        <p:spPr bwMode="auto">
+          <a:xfrm>
+            <a:off x="304800" y="228600"/>
+            <a:ext cx="4093685" cy="338554"/>
+          </a:xfrm>
+          <a:prstGeom prst="rect">
+            <a:avLst/>
+          </a:prstGeom>
+          <a:noFill/>
+          <a:ln w="9525">
+            <a:noFill/>
+            <a:miter lim="800000"/>
+            <a:headEnd/>
+            <a:tailEnd/>
+          </a:ln>
+        </p:spPr>
+        <p:txBody>
+          <a:bodyPr wrap="none">
+            <a:spAutoFit/>
+          </a:bodyPr>
+          <a:lstStyle/>
+          <a:p>
+            <a:r>
+              <a:rPr lang="en-US" sz="1600" b="1" dirty="0" err="1" smtClean="0">
+                <a:latin typeface="Calibri" pitchFamily="34" charset="0"/>
+              </a:rPr>
+              <a:t>Tjänsteinteraktionstyp</a:t>
+            </a:r>
+            <a:r>
+              <a:rPr lang="en-US" sz="1600" b="1" dirty="0" smtClean="0">
+                <a:latin typeface="Calibri" pitchFamily="34" charset="0"/>
+              </a:rPr>
+              <a:t>: </a:t>
+            </a:r>
+            <a:r>
+              <a:rPr lang="en-US" sz="1600" b="1" dirty="0" err="1" smtClean="0">
+                <a:latin typeface="Calibri" pitchFamily="34" charset="0"/>
+              </a:rPr>
+              <a:t>Informationsspridning</a:t>
+            </a:r>
+            <a:endParaRPr lang="en-US" sz="1600" b="1" dirty="0" smtClean="0">
+              <a:latin typeface="Calibri" pitchFamily="34" charset="0"/>
+            </a:endParaRPr>
+          </a:p>
+        </p:txBody>
+      </p:sp>
+      <p:pic>
+        <p:nvPicPr>
+          <p:cNvPr id="6149" name="Picture 5"/>
+          <p:cNvPicPr>
+            <a:picLocks noChangeAspect="1" noChangeArrowheads="1"/>
+          </p:cNvPicPr>
+          <p:nvPr/>
+        </p:nvPicPr>
+        <p:blipFill>
+          <a:blip r:embed="rId2"/>
+          <a:srcRect/>
+          <a:stretch>
+            <a:fillRect/>
+          </a:stretch>
+        </p:blipFill>
+        <p:spPr bwMode="auto">
+          <a:xfrm>
+            <a:off x="2667000" y="533400"/>
+            <a:ext cx="3962400" cy="5937615"/>
+          </a:xfrm>
+          <a:prstGeom prst="rect">
+            <a:avLst/>
+          </a:prstGeom>
+          <a:noFill/>
+          <a:ln w="9525">
+            <a:noFill/>
+            <a:miter lim="800000"/>
+            <a:headEnd/>
+            <a:tailEnd/>
+          </a:ln>
+          <a:effectLst/>
+        </p:spPr>
+      </p:pic>
+      <p:sp>
+        <p:nvSpPr>
+          <p:cNvPr id="11" name="Vikt hörn 10"/>
+          <p:cNvSpPr/>
+          <p:nvPr/>
+        </p:nvSpPr>
+        <p:spPr bwMode="auto">
+          <a:xfrm>
+            <a:off x="7391400" y="3657600"/>
+            <a:ext cx="1066800" cy="914400"/>
+          </a:xfrm>
+          <a:prstGeom prst="foldedCorner">
+            <a:avLst/>
+          </a:prstGeom>
+          <a:solidFill>
+            <a:schemeClr val="bg1"/>
+          </a:solidFill>
+        </p:spPr>
+        <p:style>
+          <a:lnRef idx="2">
+            <a:schemeClr val="accent1">
+              <a:shade val="50000"/>
+            </a:schemeClr>
+          </a:lnRef>
+          <a:fillRef idx="1">
+            <a:schemeClr val="accent1"/>
+          </a:fillRef>
+          <a:effectRef idx="0">
+            <a:schemeClr val="accent1"/>
+          </a:effectRef>
+          <a:fontRef idx="minor">
+            <a:schemeClr val="lt1"/>
+          </a:fontRef>
+        </p:style>
+        <p:txBody>
+          <a:bodyPr anchor="ctr"/>
+          <a:lstStyle/>
+          <a:p>
+            <a:pPr algn="ctr" fontAlgn="auto">
+              <a:spcBef>
+                <a:spcPts val="0"/>
+              </a:spcBef>
+              <a:spcAft>
+                <a:spcPts val="0"/>
+              </a:spcAft>
+              <a:defRPr/>
+            </a:pPr>
+            <a:r>
+              <a:rPr lang="sv-SE" sz="1200" dirty="0" smtClean="0">
+                <a:solidFill>
+                  <a:schemeClr val="tx1"/>
+                </a:solidFill>
+              </a:rPr>
+              <a:t>RIV </a:t>
+            </a:r>
+            <a:r>
+              <a:rPr lang="sv-SE" sz="1200" dirty="0" smtClean="0">
+                <a:solidFill>
+                  <a:schemeClr val="tx1"/>
+                </a:solidFill>
+              </a:rPr>
+              <a:t>Teknisk</a:t>
+            </a:r>
+            <a:endParaRPr lang="en-US" sz="1200" dirty="0" smtClean="0">
+              <a:solidFill>
+                <a:schemeClr val="tx1"/>
+              </a:solidFill>
+            </a:endParaRPr>
+          </a:p>
+          <a:p>
+            <a:pPr algn="ctr" fontAlgn="auto">
+              <a:spcBef>
+                <a:spcPts val="0"/>
+              </a:spcBef>
+              <a:spcAft>
+                <a:spcPts val="0"/>
+              </a:spcAft>
+              <a:defRPr/>
+            </a:pPr>
+            <a:r>
+              <a:rPr lang="en-US" sz="1200" dirty="0" err="1" smtClean="0">
+                <a:solidFill>
+                  <a:schemeClr val="tx1"/>
+                </a:solidFill>
+              </a:rPr>
+              <a:t>a</a:t>
+            </a:r>
+            <a:r>
+              <a:rPr lang="en-US" sz="1200" dirty="0" err="1" smtClean="0">
+                <a:solidFill>
+                  <a:schemeClr val="tx1"/>
+                </a:solidFill>
+              </a:rPr>
+              <a:t>nvisning</a:t>
+            </a:r>
+            <a:r>
+              <a:rPr lang="en-US" sz="1200" dirty="0" smtClean="0">
+                <a:solidFill>
+                  <a:schemeClr val="tx1"/>
+                </a:solidFill>
+              </a:rPr>
+              <a:t> </a:t>
+            </a:r>
+            <a:r>
+              <a:rPr lang="en-US" sz="1200" dirty="0" err="1" smtClean="0">
+                <a:solidFill>
+                  <a:schemeClr val="tx1"/>
+                </a:solidFill>
+              </a:rPr>
+              <a:t>Tjänste</a:t>
+            </a:r>
+            <a:r>
+              <a:rPr lang="en-US" sz="1200" dirty="0" smtClean="0">
+                <a:solidFill>
+                  <a:schemeClr val="tx1"/>
+                </a:solidFill>
+              </a:rPr>
+              <a:t>-schema</a:t>
+            </a:r>
+            <a:endParaRPr lang="en-US" sz="1200" dirty="0">
+              <a:solidFill>
+                <a:schemeClr val="tx1"/>
+              </a:solidFill>
+            </a:endParaRPr>
+          </a:p>
+        </p:txBody>
+      </p:sp>
+      <p:sp>
+        <p:nvSpPr>
+          <p:cNvPr id="12" name="Vikt hörn 11"/>
+          <p:cNvSpPr/>
+          <p:nvPr/>
+        </p:nvSpPr>
+        <p:spPr bwMode="auto">
+          <a:xfrm>
+            <a:off x="7391400" y="4953000"/>
+            <a:ext cx="1066800" cy="838200"/>
+          </a:xfrm>
+          <a:prstGeom prst="foldedCorner">
+            <a:avLst/>
+          </a:prstGeom>
+          <a:solidFill>
+            <a:schemeClr val="bg1"/>
+          </a:solidFill>
+        </p:spPr>
+        <p:style>
+          <a:lnRef idx="2">
+            <a:schemeClr val="accent1">
+              <a:shade val="50000"/>
+            </a:schemeClr>
+          </a:lnRef>
+          <a:fillRef idx="1">
+            <a:schemeClr val="accent1"/>
+          </a:fillRef>
+          <a:effectRef idx="0">
+            <a:schemeClr val="accent1"/>
+          </a:effectRef>
+          <a:fontRef idx="minor">
+            <a:schemeClr val="lt1"/>
+          </a:fontRef>
+        </p:style>
+        <p:txBody>
+          <a:bodyPr anchor="ctr"/>
+          <a:lstStyle/>
+          <a:p>
+            <a:pPr algn="ctr" fontAlgn="auto">
+              <a:spcBef>
+                <a:spcPts val="0"/>
+              </a:spcBef>
+              <a:spcAft>
+                <a:spcPts val="0"/>
+              </a:spcAft>
+              <a:defRPr/>
+            </a:pPr>
+            <a:r>
+              <a:rPr lang="sv-SE" sz="1200" dirty="0" smtClean="0">
+                <a:solidFill>
+                  <a:schemeClr val="tx1"/>
+                </a:solidFill>
+              </a:rPr>
+              <a:t>RIV </a:t>
+            </a:r>
+            <a:r>
+              <a:rPr lang="sv-SE" sz="1200" dirty="0" err="1" smtClean="0">
+                <a:solidFill>
+                  <a:schemeClr val="tx1"/>
+                </a:solidFill>
+              </a:rPr>
+              <a:t>Metod-a</a:t>
+            </a:r>
+            <a:r>
+              <a:rPr lang="en-US" sz="1200" dirty="0" err="1" smtClean="0">
+                <a:solidFill>
+                  <a:schemeClr val="tx1"/>
+                </a:solidFill>
+              </a:rPr>
+              <a:t>nvisningar</a:t>
+            </a:r>
+            <a:endParaRPr lang="en-US" sz="1200" dirty="0">
+              <a:solidFill>
+                <a:schemeClr val="tx1"/>
+              </a:solidFill>
+            </a:endParaRPr>
+          </a:p>
+        </p:txBody>
+      </p:sp>
+      <p:sp>
+        <p:nvSpPr>
+          <p:cNvPr id="13" name="Vikt hörn 12"/>
+          <p:cNvSpPr/>
+          <p:nvPr/>
+        </p:nvSpPr>
+        <p:spPr bwMode="auto">
+          <a:xfrm>
+            <a:off x="7696200" y="1371600"/>
+            <a:ext cx="990600" cy="1219200"/>
+          </a:xfrm>
+          <a:prstGeom prst="foldedCorner">
+            <a:avLst/>
+          </a:prstGeom>
+          <a:solidFill>
+            <a:schemeClr val="bg1"/>
+          </a:solidFill>
+        </p:spPr>
+        <p:style>
+          <a:lnRef idx="2">
+            <a:schemeClr val="accent1">
+              <a:shade val="50000"/>
+            </a:schemeClr>
+          </a:lnRef>
+          <a:fillRef idx="1">
+            <a:schemeClr val="accent1"/>
+          </a:fillRef>
+          <a:effectRef idx="0">
+            <a:schemeClr val="accent1"/>
+          </a:effectRef>
+          <a:fontRef idx="minor">
+            <a:schemeClr val="lt1"/>
+          </a:fontRef>
+        </p:style>
+        <p:txBody>
+          <a:bodyPr anchor="ctr"/>
+          <a:lstStyle/>
+          <a:p>
+            <a:pPr algn="ctr" fontAlgn="auto">
+              <a:spcBef>
+                <a:spcPts val="0"/>
+              </a:spcBef>
+              <a:spcAft>
+                <a:spcPts val="0"/>
+              </a:spcAft>
+              <a:defRPr/>
+            </a:pPr>
+            <a:endParaRPr lang="en-US" sz="1200" dirty="0">
+              <a:solidFill>
+                <a:schemeClr val="tx1"/>
+              </a:solidFill>
+            </a:endParaRPr>
+          </a:p>
+        </p:txBody>
+      </p:sp>
+      <p:sp>
+        <p:nvSpPr>
+          <p:cNvPr id="14" name="Vikt hörn 13"/>
+          <p:cNvSpPr/>
+          <p:nvPr/>
+        </p:nvSpPr>
+        <p:spPr bwMode="auto">
+          <a:xfrm>
+            <a:off x="7543800" y="1219200"/>
+            <a:ext cx="990600" cy="1219200"/>
+          </a:xfrm>
+          <a:prstGeom prst="foldedCorner">
+            <a:avLst/>
+          </a:prstGeom>
+          <a:solidFill>
+            <a:schemeClr val="bg1"/>
+          </a:solidFill>
+        </p:spPr>
+        <p:style>
+          <a:lnRef idx="2">
+            <a:schemeClr val="accent1">
+              <a:shade val="50000"/>
+            </a:schemeClr>
+          </a:lnRef>
+          <a:fillRef idx="1">
+            <a:schemeClr val="accent1"/>
+          </a:fillRef>
+          <a:effectRef idx="0">
+            <a:schemeClr val="accent1"/>
+          </a:effectRef>
+          <a:fontRef idx="minor">
+            <a:schemeClr val="lt1"/>
+          </a:fontRef>
+        </p:style>
+        <p:txBody>
+          <a:bodyPr anchor="ctr"/>
+          <a:lstStyle/>
+          <a:p>
+            <a:pPr algn="ctr" fontAlgn="auto">
+              <a:spcBef>
+                <a:spcPts val="0"/>
+              </a:spcBef>
+              <a:spcAft>
+                <a:spcPts val="0"/>
+              </a:spcAft>
+              <a:defRPr/>
+            </a:pPr>
+            <a:endParaRPr lang="en-US" sz="1200" dirty="0">
+              <a:solidFill>
+                <a:schemeClr val="tx1"/>
+              </a:solidFill>
+            </a:endParaRPr>
+          </a:p>
+        </p:txBody>
+      </p:sp>
+      <p:sp>
+        <p:nvSpPr>
+          <p:cNvPr id="15" name="Vikt hörn 14"/>
+          <p:cNvSpPr/>
+          <p:nvPr/>
+        </p:nvSpPr>
+        <p:spPr bwMode="auto">
+          <a:xfrm>
+            <a:off x="7391400" y="1066800"/>
+            <a:ext cx="990600" cy="1219200"/>
+          </a:xfrm>
+          <a:prstGeom prst="foldedCorner">
+            <a:avLst/>
+          </a:prstGeom>
+          <a:solidFill>
+            <a:schemeClr val="bg1"/>
+          </a:solidFill>
+        </p:spPr>
+        <p:style>
+          <a:lnRef idx="2">
+            <a:schemeClr val="accent1">
+              <a:shade val="50000"/>
+            </a:schemeClr>
+          </a:lnRef>
+          <a:fillRef idx="1">
+            <a:schemeClr val="accent1"/>
+          </a:fillRef>
+          <a:effectRef idx="0">
+            <a:schemeClr val="accent1"/>
+          </a:effectRef>
+          <a:fontRef idx="minor">
+            <a:schemeClr val="lt1"/>
+          </a:fontRef>
+        </p:style>
+        <p:txBody>
+          <a:bodyPr anchor="ctr"/>
+          <a:lstStyle/>
+          <a:p>
+            <a:pPr algn="ctr" fontAlgn="auto">
+              <a:spcBef>
+                <a:spcPts val="0"/>
+              </a:spcBef>
+              <a:spcAft>
+                <a:spcPts val="0"/>
+              </a:spcAft>
+              <a:defRPr/>
+            </a:pPr>
+            <a:r>
+              <a:rPr lang="en-US" sz="1200" dirty="0" smtClean="0">
+                <a:solidFill>
+                  <a:schemeClr val="tx1"/>
+                </a:solidFill>
+              </a:rPr>
+              <a:t>RIV </a:t>
+            </a:r>
+          </a:p>
+          <a:p>
+            <a:pPr algn="ctr" fontAlgn="auto">
+              <a:spcBef>
+                <a:spcPts val="0"/>
+              </a:spcBef>
+              <a:spcAft>
+                <a:spcPts val="0"/>
+              </a:spcAft>
+              <a:defRPr/>
+            </a:pPr>
+            <a:r>
+              <a:rPr lang="en-US" sz="1200" dirty="0" err="1" smtClean="0">
+                <a:solidFill>
+                  <a:schemeClr val="tx1"/>
+                </a:solidFill>
+              </a:rPr>
+              <a:t>Teknisk</a:t>
+            </a:r>
+            <a:r>
+              <a:rPr lang="en-US" sz="1200" dirty="0" smtClean="0">
+                <a:solidFill>
+                  <a:schemeClr val="tx1"/>
+                </a:solidFill>
+              </a:rPr>
+              <a:t> </a:t>
+            </a:r>
+            <a:r>
+              <a:rPr lang="en-US" sz="1200" dirty="0" err="1" smtClean="0">
+                <a:solidFill>
+                  <a:schemeClr val="tx1"/>
+                </a:solidFill>
+              </a:rPr>
+              <a:t>anvisning</a:t>
+            </a:r>
+            <a:endParaRPr lang="en-US" sz="1200" dirty="0">
+              <a:solidFill>
+                <a:schemeClr val="tx1"/>
+              </a:solidFill>
+            </a:endParaRPr>
+          </a:p>
+          <a:p>
+            <a:pPr algn="ctr" fontAlgn="auto">
+              <a:spcBef>
+                <a:spcPts val="0"/>
+              </a:spcBef>
+              <a:spcAft>
+                <a:spcPts val="0"/>
+              </a:spcAft>
+              <a:defRPr/>
+            </a:pPr>
+            <a:r>
+              <a:rPr lang="en-US" sz="1200" dirty="0" err="1" smtClean="0">
+                <a:solidFill>
+                  <a:schemeClr val="tx1"/>
+                </a:solidFill>
+              </a:rPr>
+              <a:t>Profil</a:t>
+            </a:r>
+            <a:r>
+              <a:rPr lang="en-US" sz="1200" dirty="0" smtClean="0">
+                <a:solidFill>
+                  <a:schemeClr val="tx1"/>
+                </a:solidFill>
+              </a:rPr>
+              <a:t> </a:t>
+            </a:r>
+            <a:r>
+              <a:rPr lang="en-US" sz="1200" dirty="0" err="1" smtClean="0">
+                <a:solidFill>
+                  <a:schemeClr val="tx1"/>
+                </a:solidFill>
+              </a:rPr>
+              <a:t>n.n</a:t>
+            </a:r>
+            <a:endParaRPr lang="en-US" sz="1200" dirty="0">
+              <a:solidFill>
+                <a:schemeClr val="tx1"/>
+              </a:solidFill>
+            </a:endParaRPr>
+          </a:p>
+          <a:p>
+            <a:pPr algn="ctr" fontAlgn="auto">
+              <a:spcBef>
+                <a:spcPts val="0"/>
+              </a:spcBef>
+              <a:spcAft>
+                <a:spcPts val="0"/>
+              </a:spcAft>
+              <a:defRPr/>
+            </a:pPr>
+            <a:r>
+              <a:rPr lang="en-US" sz="1200" dirty="0" smtClean="0">
+                <a:solidFill>
+                  <a:schemeClr val="tx1"/>
+                </a:solidFill>
+              </a:rPr>
+              <a:t>(en </a:t>
+            </a:r>
+            <a:r>
+              <a:rPr lang="en-US" sz="1200" dirty="0" err="1" smtClean="0">
+                <a:solidFill>
+                  <a:schemeClr val="tx1"/>
+                </a:solidFill>
+              </a:rPr>
+              <a:t>av</a:t>
+            </a:r>
+            <a:r>
+              <a:rPr lang="en-US" sz="1200" dirty="0" smtClean="0">
+                <a:solidFill>
+                  <a:schemeClr val="tx1"/>
+                </a:solidFill>
+              </a:rPr>
+              <a:t> </a:t>
+            </a:r>
+            <a:r>
+              <a:rPr lang="en-US" sz="1200" dirty="0" err="1" smtClean="0">
+                <a:solidFill>
+                  <a:schemeClr val="tx1"/>
+                </a:solidFill>
+              </a:rPr>
+              <a:t>flera</a:t>
+            </a:r>
+            <a:r>
+              <a:rPr lang="en-US" sz="1200" dirty="0">
+                <a:solidFill>
+                  <a:schemeClr val="tx1"/>
+                </a:solidFill>
+              </a:rPr>
+              <a:t>) </a:t>
+            </a:r>
+          </a:p>
+        </p:txBody>
+      </p:sp>
+      <p:cxnSp>
+        <p:nvCxnSpPr>
+          <p:cNvPr id="16" name="Rak 15"/>
+          <p:cNvCxnSpPr/>
+          <p:nvPr/>
+        </p:nvCxnSpPr>
+        <p:spPr bwMode="auto">
+          <a:xfrm>
+            <a:off x="381000" y="1828800"/>
+            <a:ext cx="6858000" cy="1588"/>
+          </a:xfrm>
+          <a:prstGeom prst="line">
+            <a:avLst/>
+          </a:prstGeom>
+          <a:ln w="0"/>
+        </p:spPr>
+        <p:style>
+          <a:lnRef idx="2">
+            <a:schemeClr val="accent1"/>
+          </a:lnRef>
+          <a:fillRef idx="0">
+            <a:schemeClr val="accent1"/>
+          </a:fillRef>
+          <a:effectRef idx="1">
+            <a:schemeClr val="accent1"/>
+          </a:effectRef>
+          <a:fontRef idx="minor">
+            <a:schemeClr val="tx1"/>
+          </a:fontRef>
+        </p:style>
+      </p:cxnSp>
+      <p:cxnSp>
+        <p:nvCxnSpPr>
+          <p:cNvPr id="17" name="Rak 16"/>
+          <p:cNvCxnSpPr/>
+          <p:nvPr/>
+        </p:nvCxnSpPr>
+        <p:spPr bwMode="auto">
+          <a:xfrm flipV="1">
+            <a:off x="381000" y="3352800"/>
+            <a:ext cx="8229600" cy="0"/>
+          </a:xfrm>
+          <a:prstGeom prst="line">
+            <a:avLst/>
+          </a:prstGeom>
+          <a:ln w="0"/>
+        </p:spPr>
+        <p:style>
+          <a:lnRef idx="2">
+            <a:schemeClr val="accent1"/>
+          </a:lnRef>
+          <a:fillRef idx="0">
+            <a:schemeClr val="accent1"/>
+          </a:fillRef>
+          <a:effectRef idx="1">
+            <a:schemeClr val="accent1"/>
+          </a:effectRef>
+          <a:fontRef idx="minor">
+            <a:schemeClr val="tx1"/>
+          </a:fontRef>
+        </p:style>
+      </p:cxnSp>
+      <p:cxnSp>
+        <p:nvCxnSpPr>
+          <p:cNvPr id="18" name="Rak 17"/>
+          <p:cNvCxnSpPr/>
+          <p:nvPr/>
+        </p:nvCxnSpPr>
+        <p:spPr bwMode="auto">
+          <a:xfrm flipV="1">
+            <a:off x="381000" y="4800600"/>
+            <a:ext cx="8229600" cy="0"/>
+          </a:xfrm>
+          <a:prstGeom prst="line">
+            <a:avLst/>
+          </a:prstGeom>
+          <a:ln w="0"/>
+        </p:spPr>
+        <p:style>
+          <a:lnRef idx="2">
+            <a:schemeClr val="accent1"/>
+          </a:lnRef>
+          <a:fillRef idx="0">
+            <a:schemeClr val="accent1"/>
+          </a:fillRef>
+          <a:effectRef idx="1">
+            <a:schemeClr val="accent1"/>
+          </a:effectRef>
+          <a:fontRef idx="minor">
+            <a:schemeClr val="tx1"/>
+          </a:fontRef>
+        </p:style>
+      </p:cxnSp>
+      <p:sp>
+        <p:nvSpPr>
+          <p:cNvPr id="19" name="textruta 6"/>
+          <p:cNvSpPr txBox="1">
+            <a:spLocks noChangeArrowheads="1"/>
+          </p:cNvSpPr>
+          <p:nvPr/>
+        </p:nvSpPr>
+        <p:spPr bwMode="auto">
+          <a:xfrm>
+            <a:off x="381000" y="1143000"/>
+            <a:ext cx="1721433" cy="523220"/>
+          </a:xfrm>
+          <a:prstGeom prst="rect">
+            <a:avLst/>
+          </a:prstGeom>
+          <a:noFill/>
+          <a:ln w="9525">
+            <a:noFill/>
+            <a:miter lim="800000"/>
+            <a:headEnd/>
+            <a:tailEnd/>
+          </a:ln>
+        </p:spPr>
+        <p:txBody>
+          <a:bodyPr wrap="none">
+            <a:spAutoFit/>
+          </a:bodyPr>
+          <a:lstStyle/>
+          <a:p>
+            <a:r>
+              <a:rPr lang="en-US" sz="1400" b="1" dirty="0" err="1" smtClean="0">
+                <a:latin typeface="Calibri" pitchFamily="34" charset="0"/>
+              </a:rPr>
+              <a:t>Tjänsteinteraktion</a:t>
+            </a:r>
+            <a:endParaRPr lang="en-US" sz="1400" b="1" dirty="0" smtClean="0">
+              <a:latin typeface="Calibri" pitchFamily="34" charset="0"/>
+            </a:endParaRPr>
+          </a:p>
+          <a:p>
+            <a:r>
+              <a:rPr lang="sv-SE" sz="1400" dirty="0" smtClean="0">
+                <a:latin typeface="Calibri" pitchFamily="34" charset="0"/>
+              </a:rPr>
+              <a:t>Teknisk form: </a:t>
+            </a:r>
+            <a:r>
+              <a:rPr lang="sv-SE" sz="1400" dirty="0" err="1" smtClean="0">
+                <a:latin typeface="Calibri" pitchFamily="34" charset="0"/>
+              </a:rPr>
+              <a:t>wsdl-fil</a:t>
+            </a:r>
+            <a:endParaRPr lang="en-US" sz="1400" dirty="0" smtClean="0">
+              <a:latin typeface="Calibri" pitchFamily="34" charset="0"/>
+            </a:endParaRPr>
+          </a:p>
+        </p:txBody>
+      </p:sp>
+      <p:sp>
+        <p:nvSpPr>
+          <p:cNvPr id="20" name="textruta 6"/>
+          <p:cNvSpPr txBox="1">
+            <a:spLocks noChangeArrowheads="1"/>
+          </p:cNvSpPr>
+          <p:nvPr/>
+        </p:nvSpPr>
+        <p:spPr bwMode="auto">
+          <a:xfrm>
+            <a:off x="381000" y="2286000"/>
+            <a:ext cx="1721433" cy="738664"/>
+          </a:xfrm>
+          <a:prstGeom prst="rect">
+            <a:avLst/>
+          </a:prstGeom>
+          <a:noFill/>
+          <a:ln w="9525">
+            <a:noFill/>
+            <a:miter lim="800000"/>
+            <a:headEnd/>
+            <a:tailEnd/>
+          </a:ln>
+        </p:spPr>
+        <p:txBody>
+          <a:bodyPr wrap="none">
+            <a:spAutoFit/>
+          </a:bodyPr>
+          <a:lstStyle/>
+          <a:p>
+            <a:r>
+              <a:rPr lang="en-US" sz="1400" b="1" dirty="0" err="1" smtClean="0">
+                <a:latin typeface="Calibri" pitchFamily="34" charset="0"/>
+              </a:rPr>
+              <a:t>Operationer</a:t>
+            </a:r>
+            <a:r>
+              <a:rPr lang="en-US" sz="1400" b="1" dirty="0" smtClean="0">
+                <a:latin typeface="Calibri" pitchFamily="34" charset="0"/>
+              </a:rPr>
+              <a:t> </a:t>
+            </a:r>
+            <a:r>
+              <a:rPr lang="en-US" sz="1400" b="1" dirty="0" err="1" smtClean="0">
+                <a:latin typeface="Calibri" pitchFamily="34" charset="0"/>
+              </a:rPr>
+              <a:t>i</a:t>
+            </a:r>
+            <a:r>
+              <a:rPr lang="en-US" sz="1400" b="1" dirty="0" smtClean="0">
+                <a:latin typeface="Calibri" pitchFamily="34" charset="0"/>
+              </a:rPr>
+              <a:t> </a:t>
+            </a:r>
+          </a:p>
+          <a:p>
+            <a:r>
+              <a:rPr lang="en-US" sz="1400" b="1" dirty="0" err="1" smtClean="0">
+                <a:latin typeface="Calibri" pitchFamily="34" charset="0"/>
+              </a:rPr>
+              <a:t>tjänstekontrakt</a:t>
+            </a:r>
+            <a:endParaRPr lang="en-US" sz="1400" b="1" dirty="0" smtClean="0">
+              <a:latin typeface="Calibri" pitchFamily="34" charset="0"/>
+            </a:endParaRPr>
+          </a:p>
+          <a:p>
+            <a:r>
+              <a:rPr lang="sv-SE" sz="1400" dirty="0" smtClean="0">
+                <a:latin typeface="Calibri" pitchFamily="34" charset="0"/>
+              </a:rPr>
+              <a:t>Teknisk form: </a:t>
+            </a:r>
+            <a:r>
+              <a:rPr lang="sv-SE" sz="1400" dirty="0" err="1" smtClean="0">
+                <a:latin typeface="Calibri" pitchFamily="34" charset="0"/>
+              </a:rPr>
+              <a:t>wsdl-fil</a:t>
+            </a:r>
+            <a:endParaRPr lang="en-US" sz="1400" dirty="0" smtClean="0">
+              <a:latin typeface="Calibri" pitchFamily="34" charset="0"/>
+            </a:endParaRPr>
+          </a:p>
+        </p:txBody>
+      </p:sp>
+      <p:sp>
+        <p:nvSpPr>
+          <p:cNvPr id="21" name="textruta 6"/>
+          <p:cNvSpPr txBox="1">
+            <a:spLocks noChangeArrowheads="1"/>
+          </p:cNvSpPr>
+          <p:nvPr/>
+        </p:nvSpPr>
+        <p:spPr bwMode="auto">
+          <a:xfrm>
+            <a:off x="457200" y="3478649"/>
+            <a:ext cx="1670714" cy="1169551"/>
+          </a:xfrm>
+          <a:prstGeom prst="rect">
+            <a:avLst/>
+          </a:prstGeom>
+          <a:noFill/>
+          <a:ln w="9525">
+            <a:noFill/>
+            <a:miter lim="800000"/>
+            <a:headEnd/>
+            <a:tailEnd/>
+          </a:ln>
+        </p:spPr>
+        <p:txBody>
+          <a:bodyPr wrap="none">
+            <a:spAutoFit/>
+          </a:bodyPr>
+          <a:lstStyle/>
+          <a:p>
+            <a:r>
+              <a:rPr lang="en-US" sz="1400" b="1" dirty="0" err="1" smtClean="0">
+                <a:latin typeface="Calibri" pitchFamily="34" charset="0"/>
+              </a:rPr>
+              <a:t>Parametrar</a:t>
+            </a:r>
+            <a:r>
+              <a:rPr lang="en-US" sz="1400" b="1" dirty="0" smtClean="0">
+                <a:latin typeface="Calibri" pitchFamily="34" charset="0"/>
+              </a:rPr>
+              <a:t> </a:t>
+            </a:r>
+            <a:r>
+              <a:rPr lang="en-US" sz="1400" b="1" dirty="0" err="1" smtClean="0">
+                <a:latin typeface="Calibri" pitchFamily="34" charset="0"/>
+              </a:rPr>
+              <a:t>och</a:t>
+            </a:r>
+            <a:r>
+              <a:rPr lang="en-US" sz="1400" b="1" dirty="0" smtClean="0">
+                <a:latin typeface="Calibri" pitchFamily="34" charset="0"/>
+              </a:rPr>
+              <a:t> </a:t>
+            </a:r>
+          </a:p>
+          <a:p>
+            <a:r>
+              <a:rPr lang="en-US" sz="1400" b="1" dirty="0" err="1" smtClean="0">
+                <a:latin typeface="Calibri" pitchFamily="34" charset="0"/>
+              </a:rPr>
+              <a:t>returvärden</a:t>
+            </a:r>
+            <a:r>
+              <a:rPr lang="en-US" sz="1400" b="1" dirty="0" smtClean="0">
+                <a:latin typeface="Calibri" pitchFamily="34" charset="0"/>
+              </a:rPr>
+              <a:t> </a:t>
+            </a:r>
+            <a:r>
+              <a:rPr lang="en-US" sz="1400" b="1" dirty="0" err="1" smtClean="0">
+                <a:latin typeface="Calibri" pitchFamily="34" charset="0"/>
+              </a:rPr>
+              <a:t>i</a:t>
+            </a:r>
+            <a:r>
+              <a:rPr lang="en-US" sz="1400" b="1" dirty="0" smtClean="0">
+                <a:latin typeface="Calibri" pitchFamily="34" charset="0"/>
+              </a:rPr>
+              <a:t> </a:t>
+            </a:r>
+          </a:p>
+          <a:p>
+            <a:r>
+              <a:rPr lang="en-US" sz="1400" b="1" dirty="0" err="1" smtClean="0">
+                <a:latin typeface="Calibri" pitchFamily="34" charset="0"/>
+              </a:rPr>
+              <a:t>t</a:t>
+            </a:r>
+            <a:r>
+              <a:rPr lang="en-US" sz="1400" b="1" dirty="0" err="1" smtClean="0">
+                <a:latin typeface="Calibri" pitchFamily="34" charset="0"/>
+              </a:rPr>
+              <a:t>jänstekontrakt</a:t>
+            </a:r>
+            <a:endParaRPr lang="en-US" sz="1400" b="1" dirty="0" smtClean="0">
+              <a:latin typeface="Calibri" pitchFamily="34" charset="0"/>
+            </a:endParaRPr>
+          </a:p>
+          <a:p>
+            <a:r>
+              <a:rPr lang="sv-SE" sz="1400" dirty="0" smtClean="0">
+                <a:latin typeface="Calibri" pitchFamily="34" charset="0"/>
+              </a:rPr>
+              <a:t>Teknisk form:  </a:t>
+            </a:r>
+            <a:r>
+              <a:rPr lang="sv-SE" sz="1400" dirty="0" err="1" smtClean="0">
+                <a:latin typeface="Calibri" pitchFamily="34" charset="0"/>
+              </a:rPr>
+              <a:t>xsd-fil</a:t>
+            </a:r>
+            <a:r>
+              <a:rPr lang="sv-SE" sz="1400" dirty="0" smtClean="0">
+                <a:latin typeface="Calibri" pitchFamily="34" charset="0"/>
+              </a:rPr>
+              <a:t/>
+            </a:r>
+            <a:br>
+              <a:rPr lang="sv-SE" sz="1400" dirty="0" smtClean="0">
+                <a:latin typeface="Calibri" pitchFamily="34" charset="0"/>
+              </a:rPr>
+            </a:br>
+            <a:r>
+              <a:rPr lang="sv-SE" sz="1400" dirty="0" smtClean="0">
+                <a:latin typeface="Calibri" pitchFamily="34" charset="0"/>
+              </a:rPr>
+              <a:t>(tjänsteschema)</a:t>
+            </a:r>
+            <a:endParaRPr lang="en-US" sz="1400" dirty="0" smtClean="0">
+              <a:latin typeface="Calibri" pitchFamily="34" charset="0"/>
+            </a:endParaRPr>
+          </a:p>
+        </p:txBody>
+      </p:sp>
+      <p:sp>
+        <p:nvSpPr>
+          <p:cNvPr id="22" name="textruta 6"/>
+          <p:cNvSpPr txBox="1">
+            <a:spLocks noChangeArrowheads="1"/>
+          </p:cNvSpPr>
+          <p:nvPr/>
+        </p:nvSpPr>
+        <p:spPr bwMode="auto">
+          <a:xfrm>
+            <a:off x="457200" y="5029200"/>
+            <a:ext cx="1670714" cy="523220"/>
+          </a:xfrm>
+          <a:prstGeom prst="rect">
+            <a:avLst/>
+          </a:prstGeom>
+          <a:noFill/>
+          <a:ln w="9525">
+            <a:noFill/>
+            <a:miter lim="800000"/>
+            <a:headEnd/>
+            <a:tailEnd/>
+          </a:ln>
+        </p:spPr>
+        <p:txBody>
+          <a:bodyPr wrap="none">
+            <a:spAutoFit/>
+          </a:bodyPr>
+          <a:lstStyle/>
+          <a:p>
+            <a:r>
+              <a:rPr lang="en-US" sz="1400" b="1" dirty="0" smtClean="0">
+                <a:latin typeface="Calibri" pitchFamily="34" charset="0"/>
+              </a:rPr>
+              <a:t>RIV </a:t>
+            </a:r>
+            <a:r>
+              <a:rPr lang="en-US" sz="1400" b="1" dirty="0" err="1" smtClean="0">
+                <a:latin typeface="Calibri" pitchFamily="34" charset="0"/>
+              </a:rPr>
+              <a:t>m</a:t>
+            </a:r>
+            <a:r>
+              <a:rPr lang="en-US" sz="1400" b="1" dirty="0" err="1" smtClean="0">
+                <a:latin typeface="Calibri" pitchFamily="34" charset="0"/>
+              </a:rPr>
+              <a:t>eddelanden</a:t>
+            </a:r>
+            <a:endParaRPr lang="en-US" sz="1400" b="1" dirty="0" smtClean="0">
+              <a:latin typeface="Calibri" pitchFamily="34" charset="0"/>
+            </a:endParaRPr>
+          </a:p>
+          <a:p>
+            <a:r>
+              <a:rPr lang="sv-SE" sz="1400" dirty="0" smtClean="0">
+                <a:latin typeface="Calibri" pitchFamily="34" charset="0"/>
+              </a:rPr>
+              <a:t>Teknisk </a:t>
+            </a:r>
+            <a:r>
+              <a:rPr lang="sv-SE" sz="1400" dirty="0" smtClean="0">
+                <a:latin typeface="Calibri" pitchFamily="34" charset="0"/>
+              </a:rPr>
+              <a:t>form:  </a:t>
+            </a:r>
+            <a:r>
+              <a:rPr lang="sv-SE" sz="1400" dirty="0" err="1" smtClean="0">
+                <a:latin typeface="Calibri" pitchFamily="34" charset="0"/>
+              </a:rPr>
+              <a:t>xsd-fil</a:t>
+            </a:r>
+            <a:endParaRPr lang="en-US" sz="1400" dirty="0" smtClean="0">
+              <a:latin typeface="Calibri" pitchFamily="34" charset="0"/>
+            </a:endParaRPr>
+          </a:p>
+        </p:txBody>
+      </p:sp>
+    </p:spTree>
+  </p:cSld>
+  <p:clrMapOvr>
+    <a:masterClrMapping/>
+  </p:clrMapOvr>
+</p:sld>
+</file>
+
+<file path=ppt/slides/slide5.xml><?xml version="1.0" encoding="utf-8"?>
+<p:sld xmlns:a="http://schemas.openxmlformats.org/drawingml/2006/main" xmlns:r="http://schemas.openxmlformats.org/officeDocument/2006/relationships" xmlns:p="http://schemas.openxmlformats.org/presentationml/2006/main">
+  <p:cSld>
+    <p:spTree>
+      <p:nvGrpSpPr>
+        <p:cNvPr id="1" name=""/>
+        <p:cNvGrpSpPr/>
+        <p:nvPr/>
+      </p:nvGrpSpPr>
+      <p:grpSpPr>
+        <a:xfrm>
+          <a:off x="0" y="0"/>
+          <a:ext cx="0" cy="0"/>
+          <a:chOff x="0" y="0"/>
+          <a:chExt cx="0" cy="0"/>
+        </a:xfrm>
+      </p:grpSpPr>
+      <p:sp>
+        <p:nvSpPr>
+          <p:cNvPr id="5" name="textruta 6"/>
+          <p:cNvSpPr txBox="1">
+            <a:spLocks noChangeArrowheads="1"/>
+          </p:cNvSpPr>
+          <p:nvPr/>
+        </p:nvSpPr>
+        <p:spPr bwMode="auto">
+          <a:xfrm>
+            <a:off x="304800" y="228600"/>
+            <a:ext cx="3649845" cy="338554"/>
+          </a:xfrm>
+          <a:prstGeom prst="rect">
+            <a:avLst/>
+          </a:prstGeom>
+          <a:noFill/>
+          <a:ln w="9525">
+            <a:noFill/>
+            <a:miter lim="800000"/>
+            <a:headEnd/>
+            <a:tailEnd/>
+          </a:ln>
+        </p:spPr>
+        <p:txBody>
+          <a:bodyPr wrap="none">
+            <a:spAutoFit/>
+          </a:bodyPr>
+          <a:lstStyle/>
+          <a:p>
+            <a:r>
+              <a:rPr lang="en-US" sz="1600" b="1" dirty="0" err="1" smtClean="0">
+                <a:latin typeface="Calibri" pitchFamily="34" charset="0"/>
+              </a:rPr>
+              <a:t>Tjänsteinteraktionstyp</a:t>
+            </a:r>
+            <a:r>
+              <a:rPr lang="en-US" sz="1600" b="1" dirty="0" smtClean="0">
+                <a:latin typeface="Calibri" pitchFamily="34" charset="0"/>
+              </a:rPr>
+              <a:t>: </a:t>
+            </a:r>
+            <a:r>
+              <a:rPr lang="en-US" sz="1600" b="1" dirty="0" err="1" smtClean="0">
+                <a:latin typeface="Calibri" pitchFamily="34" charset="0"/>
+              </a:rPr>
+              <a:t>Uppdrag-resultat</a:t>
+            </a:r>
+            <a:endParaRPr lang="en-US" sz="1600" b="1" dirty="0" smtClean="0">
+              <a:latin typeface="Calibri" pitchFamily="34" charset="0"/>
+            </a:endParaRPr>
+          </a:p>
+        </p:txBody>
+      </p:sp>
+      <p:sp>
+        <p:nvSpPr>
+          <p:cNvPr id="12" name="Vikt hörn 11"/>
+          <p:cNvSpPr/>
+          <p:nvPr/>
+        </p:nvSpPr>
+        <p:spPr bwMode="auto">
+          <a:xfrm>
+            <a:off x="7391400" y="3657600"/>
+            <a:ext cx="1066800" cy="914400"/>
+          </a:xfrm>
+          <a:prstGeom prst="foldedCorner">
+            <a:avLst/>
+          </a:prstGeom>
+          <a:solidFill>
+            <a:schemeClr val="bg1"/>
+          </a:solidFill>
+        </p:spPr>
+        <p:style>
+          <a:lnRef idx="2">
+            <a:schemeClr val="accent1">
+              <a:shade val="50000"/>
+            </a:schemeClr>
+          </a:lnRef>
+          <a:fillRef idx="1">
+            <a:schemeClr val="accent1"/>
+          </a:fillRef>
+          <a:effectRef idx="0">
+            <a:schemeClr val="accent1"/>
+          </a:effectRef>
+          <a:fontRef idx="minor">
+            <a:schemeClr val="lt1"/>
+          </a:fontRef>
+        </p:style>
+        <p:txBody>
+          <a:bodyPr anchor="ctr"/>
+          <a:lstStyle/>
+          <a:p>
+            <a:pPr algn="ctr" fontAlgn="auto">
+              <a:spcBef>
+                <a:spcPts val="0"/>
+              </a:spcBef>
+              <a:spcAft>
+                <a:spcPts val="0"/>
+              </a:spcAft>
+              <a:defRPr/>
+            </a:pPr>
+            <a:r>
+              <a:rPr lang="sv-SE" sz="1200" dirty="0" smtClean="0">
+                <a:solidFill>
+                  <a:schemeClr val="tx1"/>
+                </a:solidFill>
+              </a:rPr>
+              <a:t>RIV </a:t>
+            </a:r>
+            <a:r>
+              <a:rPr lang="sv-SE" sz="1200" dirty="0" smtClean="0">
+                <a:solidFill>
+                  <a:schemeClr val="tx1"/>
+                </a:solidFill>
+              </a:rPr>
+              <a:t>Teknisk</a:t>
+            </a:r>
+            <a:endParaRPr lang="en-US" sz="1200" dirty="0" smtClean="0">
+              <a:solidFill>
+                <a:schemeClr val="tx1"/>
+              </a:solidFill>
+            </a:endParaRPr>
+          </a:p>
+          <a:p>
+            <a:pPr algn="ctr" fontAlgn="auto">
+              <a:spcBef>
+                <a:spcPts val="0"/>
+              </a:spcBef>
+              <a:spcAft>
+                <a:spcPts val="0"/>
+              </a:spcAft>
+              <a:defRPr/>
+            </a:pPr>
+            <a:r>
+              <a:rPr lang="en-US" sz="1200" dirty="0" err="1" smtClean="0">
+                <a:solidFill>
+                  <a:schemeClr val="tx1"/>
+                </a:solidFill>
+              </a:rPr>
+              <a:t>a</a:t>
+            </a:r>
+            <a:r>
+              <a:rPr lang="en-US" sz="1200" dirty="0" err="1" smtClean="0">
+                <a:solidFill>
+                  <a:schemeClr val="tx1"/>
+                </a:solidFill>
+              </a:rPr>
+              <a:t>nvisning</a:t>
+            </a:r>
+            <a:r>
+              <a:rPr lang="en-US" sz="1200" dirty="0" smtClean="0">
+                <a:solidFill>
+                  <a:schemeClr val="tx1"/>
+                </a:solidFill>
+              </a:rPr>
+              <a:t> </a:t>
+            </a:r>
+            <a:r>
+              <a:rPr lang="en-US" sz="1200" dirty="0" err="1" smtClean="0">
+                <a:solidFill>
+                  <a:schemeClr val="tx1"/>
+                </a:solidFill>
+              </a:rPr>
+              <a:t>Tjänste</a:t>
+            </a:r>
+            <a:r>
+              <a:rPr lang="en-US" sz="1200" dirty="0" smtClean="0">
+                <a:solidFill>
+                  <a:schemeClr val="tx1"/>
+                </a:solidFill>
+              </a:rPr>
+              <a:t>-schema</a:t>
+            </a:r>
+            <a:endParaRPr lang="en-US" sz="1200" dirty="0">
+              <a:solidFill>
+                <a:schemeClr val="tx1"/>
+              </a:solidFill>
+            </a:endParaRPr>
+          </a:p>
+        </p:txBody>
+      </p:sp>
+      <p:sp>
+        <p:nvSpPr>
+          <p:cNvPr id="13" name="Vikt hörn 12"/>
+          <p:cNvSpPr/>
+          <p:nvPr/>
+        </p:nvSpPr>
+        <p:spPr bwMode="auto">
+          <a:xfrm>
+            <a:off x="7391400" y="4953000"/>
+            <a:ext cx="1066800" cy="838200"/>
+          </a:xfrm>
+          <a:prstGeom prst="foldedCorner">
+            <a:avLst/>
+          </a:prstGeom>
+          <a:solidFill>
+            <a:schemeClr val="bg1"/>
+          </a:solidFill>
+        </p:spPr>
+        <p:style>
+          <a:lnRef idx="2">
+            <a:schemeClr val="accent1">
+              <a:shade val="50000"/>
+            </a:schemeClr>
+          </a:lnRef>
+          <a:fillRef idx="1">
+            <a:schemeClr val="accent1"/>
+          </a:fillRef>
+          <a:effectRef idx="0">
+            <a:schemeClr val="accent1"/>
+          </a:effectRef>
+          <a:fontRef idx="minor">
+            <a:schemeClr val="lt1"/>
+          </a:fontRef>
+        </p:style>
+        <p:txBody>
+          <a:bodyPr anchor="ctr"/>
+          <a:lstStyle/>
+          <a:p>
+            <a:pPr algn="ctr" fontAlgn="auto">
+              <a:spcBef>
+                <a:spcPts val="0"/>
+              </a:spcBef>
+              <a:spcAft>
+                <a:spcPts val="0"/>
+              </a:spcAft>
+              <a:defRPr/>
+            </a:pPr>
+            <a:r>
+              <a:rPr lang="sv-SE" sz="1200" dirty="0" smtClean="0">
+                <a:solidFill>
+                  <a:schemeClr val="tx1"/>
+                </a:solidFill>
+              </a:rPr>
+              <a:t>RIV </a:t>
+            </a:r>
+            <a:r>
+              <a:rPr lang="sv-SE" sz="1200" dirty="0" err="1" smtClean="0">
+                <a:solidFill>
+                  <a:schemeClr val="tx1"/>
+                </a:solidFill>
+              </a:rPr>
+              <a:t>Metod-a</a:t>
+            </a:r>
+            <a:r>
+              <a:rPr lang="en-US" sz="1200" dirty="0" err="1" smtClean="0">
+                <a:solidFill>
+                  <a:schemeClr val="tx1"/>
+                </a:solidFill>
+              </a:rPr>
+              <a:t>nvisningar</a:t>
+            </a:r>
+            <a:endParaRPr lang="en-US" sz="1200" dirty="0">
+              <a:solidFill>
+                <a:schemeClr val="tx1"/>
+              </a:solidFill>
+            </a:endParaRPr>
+          </a:p>
+        </p:txBody>
+      </p:sp>
+      <p:sp>
+        <p:nvSpPr>
+          <p:cNvPr id="14" name="Vikt hörn 13"/>
+          <p:cNvSpPr/>
+          <p:nvPr/>
+        </p:nvSpPr>
+        <p:spPr bwMode="auto">
+          <a:xfrm>
+            <a:off x="7696200" y="1371600"/>
+            <a:ext cx="990600" cy="1219200"/>
+          </a:xfrm>
+          <a:prstGeom prst="foldedCorner">
+            <a:avLst/>
+          </a:prstGeom>
+          <a:solidFill>
+            <a:schemeClr val="bg1"/>
+          </a:solidFill>
+        </p:spPr>
+        <p:style>
+          <a:lnRef idx="2">
+            <a:schemeClr val="accent1">
+              <a:shade val="50000"/>
+            </a:schemeClr>
+          </a:lnRef>
+          <a:fillRef idx="1">
+            <a:schemeClr val="accent1"/>
+          </a:fillRef>
+          <a:effectRef idx="0">
+            <a:schemeClr val="accent1"/>
+          </a:effectRef>
+          <a:fontRef idx="minor">
+            <a:schemeClr val="lt1"/>
+          </a:fontRef>
+        </p:style>
+        <p:txBody>
+          <a:bodyPr anchor="ctr"/>
+          <a:lstStyle/>
+          <a:p>
+            <a:pPr algn="ctr" fontAlgn="auto">
+              <a:spcBef>
+                <a:spcPts val="0"/>
+              </a:spcBef>
+              <a:spcAft>
+                <a:spcPts val="0"/>
+              </a:spcAft>
+              <a:defRPr/>
+            </a:pPr>
+            <a:endParaRPr lang="en-US" sz="1200" dirty="0">
+              <a:solidFill>
+                <a:schemeClr val="tx1"/>
+              </a:solidFill>
+            </a:endParaRPr>
+          </a:p>
+        </p:txBody>
+      </p:sp>
+      <p:sp>
+        <p:nvSpPr>
+          <p:cNvPr id="15" name="Vikt hörn 14"/>
+          <p:cNvSpPr/>
+          <p:nvPr/>
+        </p:nvSpPr>
+        <p:spPr bwMode="auto">
+          <a:xfrm>
+            <a:off x="7543800" y="1219200"/>
+            <a:ext cx="990600" cy="1219200"/>
+          </a:xfrm>
+          <a:prstGeom prst="foldedCorner">
+            <a:avLst/>
+          </a:prstGeom>
+          <a:solidFill>
+            <a:schemeClr val="bg1"/>
+          </a:solidFill>
+        </p:spPr>
+        <p:style>
+          <a:lnRef idx="2">
+            <a:schemeClr val="accent1">
+              <a:shade val="50000"/>
+            </a:schemeClr>
+          </a:lnRef>
+          <a:fillRef idx="1">
+            <a:schemeClr val="accent1"/>
+          </a:fillRef>
+          <a:effectRef idx="0">
+            <a:schemeClr val="accent1"/>
+          </a:effectRef>
+          <a:fontRef idx="minor">
+            <a:schemeClr val="lt1"/>
+          </a:fontRef>
+        </p:style>
+        <p:txBody>
+          <a:bodyPr anchor="ctr"/>
+          <a:lstStyle/>
+          <a:p>
+            <a:pPr algn="ctr" fontAlgn="auto">
+              <a:spcBef>
+                <a:spcPts val="0"/>
+              </a:spcBef>
+              <a:spcAft>
+                <a:spcPts val="0"/>
+              </a:spcAft>
+              <a:defRPr/>
+            </a:pPr>
+            <a:endParaRPr lang="en-US" sz="1200" dirty="0">
+              <a:solidFill>
+                <a:schemeClr val="tx1"/>
+              </a:solidFill>
+            </a:endParaRPr>
+          </a:p>
+        </p:txBody>
+      </p:sp>
+      <p:sp>
+        <p:nvSpPr>
+          <p:cNvPr id="16" name="Vikt hörn 15"/>
+          <p:cNvSpPr/>
+          <p:nvPr/>
+        </p:nvSpPr>
+        <p:spPr bwMode="auto">
+          <a:xfrm>
+            <a:off x="7391400" y="1066800"/>
+            <a:ext cx="990600" cy="1219200"/>
+          </a:xfrm>
+          <a:prstGeom prst="foldedCorner">
+            <a:avLst/>
+          </a:prstGeom>
+          <a:solidFill>
+            <a:schemeClr val="bg1"/>
+          </a:solidFill>
+        </p:spPr>
+        <p:style>
+          <a:lnRef idx="2">
+            <a:schemeClr val="accent1">
+              <a:shade val="50000"/>
+            </a:schemeClr>
+          </a:lnRef>
+          <a:fillRef idx="1">
+            <a:schemeClr val="accent1"/>
+          </a:fillRef>
+          <a:effectRef idx="0">
+            <a:schemeClr val="accent1"/>
+          </a:effectRef>
+          <a:fontRef idx="minor">
+            <a:schemeClr val="lt1"/>
+          </a:fontRef>
+        </p:style>
+        <p:txBody>
+          <a:bodyPr anchor="ctr"/>
+          <a:lstStyle/>
+          <a:p>
+            <a:pPr algn="ctr" fontAlgn="auto">
+              <a:spcBef>
+                <a:spcPts val="0"/>
+              </a:spcBef>
+              <a:spcAft>
+                <a:spcPts val="0"/>
+              </a:spcAft>
+              <a:defRPr/>
+            </a:pPr>
+            <a:r>
+              <a:rPr lang="en-US" sz="1200" dirty="0" smtClean="0">
+                <a:solidFill>
+                  <a:schemeClr val="tx1"/>
+                </a:solidFill>
+              </a:rPr>
+              <a:t>RIV </a:t>
+            </a:r>
+          </a:p>
+          <a:p>
+            <a:pPr algn="ctr" fontAlgn="auto">
+              <a:spcBef>
+                <a:spcPts val="0"/>
+              </a:spcBef>
+              <a:spcAft>
+                <a:spcPts val="0"/>
+              </a:spcAft>
+              <a:defRPr/>
+            </a:pPr>
+            <a:r>
+              <a:rPr lang="en-US" sz="1200" dirty="0" err="1" smtClean="0">
+                <a:solidFill>
+                  <a:schemeClr val="tx1"/>
+                </a:solidFill>
+              </a:rPr>
+              <a:t>Teknisk</a:t>
+            </a:r>
+            <a:r>
+              <a:rPr lang="en-US" sz="1200" dirty="0" smtClean="0">
+                <a:solidFill>
+                  <a:schemeClr val="tx1"/>
+                </a:solidFill>
+              </a:rPr>
+              <a:t> </a:t>
+            </a:r>
+            <a:r>
+              <a:rPr lang="en-US" sz="1200" dirty="0" err="1" smtClean="0">
+                <a:solidFill>
+                  <a:schemeClr val="tx1"/>
+                </a:solidFill>
+              </a:rPr>
+              <a:t>anvisning</a:t>
+            </a:r>
+            <a:endParaRPr lang="en-US" sz="1200" dirty="0">
+              <a:solidFill>
+                <a:schemeClr val="tx1"/>
+              </a:solidFill>
+            </a:endParaRPr>
+          </a:p>
+          <a:p>
+            <a:pPr algn="ctr" fontAlgn="auto">
+              <a:spcBef>
+                <a:spcPts val="0"/>
+              </a:spcBef>
+              <a:spcAft>
+                <a:spcPts val="0"/>
+              </a:spcAft>
+              <a:defRPr/>
+            </a:pPr>
+            <a:r>
+              <a:rPr lang="en-US" sz="1200" dirty="0" err="1" smtClean="0">
+                <a:solidFill>
+                  <a:schemeClr val="tx1"/>
+                </a:solidFill>
+              </a:rPr>
+              <a:t>Profil</a:t>
+            </a:r>
+            <a:r>
+              <a:rPr lang="en-US" sz="1200" dirty="0" smtClean="0">
+                <a:solidFill>
+                  <a:schemeClr val="tx1"/>
+                </a:solidFill>
+              </a:rPr>
+              <a:t> </a:t>
+            </a:r>
+            <a:r>
+              <a:rPr lang="en-US" sz="1200" dirty="0" err="1" smtClean="0">
+                <a:solidFill>
+                  <a:schemeClr val="tx1"/>
+                </a:solidFill>
+              </a:rPr>
+              <a:t>n.n</a:t>
+            </a:r>
+            <a:endParaRPr lang="en-US" sz="1200" dirty="0">
+              <a:solidFill>
+                <a:schemeClr val="tx1"/>
+              </a:solidFill>
+            </a:endParaRPr>
+          </a:p>
+          <a:p>
+            <a:pPr algn="ctr" fontAlgn="auto">
+              <a:spcBef>
+                <a:spcPts val="0"/>
+              </a:spcBef>
+              <a:spcAft>
+                <a:spcPts val="0"/>
+              </a:spcAft>
+              <a:defRPr/>
+            </a:pPr>
+            <a:r>
+              <a:rPr lang="en-US" sz="1200" dirty="0" smtClean="0">
+                <a:solidFill>
+                  <a:schemeClr val="tx1"/>
+                </a:solidFill>
+              </a:rPr>
+              <a:t>(en </a:t>
+            </a:r>
+            <a:r>
+              <a:rPr lang="en-US" sz="1200" dirty="0" err="1" smtClean="0">
+                <a:solidFill>
+                  <a:schemeClr val="tx1"/>
+                </a:solidFill>
+              </a:rPr>
+              <a:t>av</a:t>
+            </a:r>
+            <a:r>
+              <a:rPr lang="en-US" sz="1200" dirty="0" smtClean="0">
+                <a:solidFill>
+                  <a:schemeClr val="tx1"/>
+                </a:solidFill>
+              </a:rPr>
+              <a:t> </a:t>
+            </a:r>
+            <a:r>
+              <a:rPr lang="en-US" sz="1200" dirty="0" err="1" smtClean="0">
+                <a:solidFill>
+                  <a:schemeClr val="tx1"/>
+                </a:solidFill>
+              </a:rPr>
+              <a:t>flera</a:t>
+            </a:r>
+            <a:r>
+              <a:rPr lang="en-US" sz="1200" dirty="0">
+                <a:solidFill>
+                  <a:schemeClr val="tx1"/>
+                </a:solidFill>
+              </a:rPr>
+              <a:t>) </a:t>
+            </a:r>
+          </a:p>
+        </p:txBody>
+      </p:sp>
+      <p:cxnSp>
+        <p:nvCxnSpPr>
+          <p:cNvPr id="17" name="Rak 16"/>
+          <p:cNvCxnSpPr/>
+          <p:nvPr/>
+        </p:nvCxnSpPr>
+        <p:spPr bwMode="auto">
+          <a:xfrm>
+            <a:off x="381000" y="1828800"/>
+            <a:ext cx="6858000" cy="1588"/>
+          </a:xfrm>
+          <a:prstGeom prst="line">
+            <a:avLst/>
+          </a:prstGeom>
+          <a:ln w="0"/>
+        </p:spPr>
+        <p:style>
+          <a:lnRef idx="2">
+            <a:schemeClr val="accent1"/>
+          </a:lnRef>
+          <a:fillRef idx="0">
+            <a:schemeClr val="accent1"/>
+          </a:fillRef>
+          <a:effectRef idx="1">
+            <a:schemeClr val="accent1"/>
+          </a:effectRef>
+          <a:fontRef idx="minor">
+            <a:schemeClr val="tx1"/>
+          </a:fontRef>
+        </p:style>
+      </p:cxnSp>
+      <p:cxnSp>
+        <p:nvCxnSpPr>
+          <p:cNvPr id="18" name="Rak 17"/>
+          <p:cNvCxnSpPr/>
+          <p:nvPr/>
+        </p:nvCxnSpPr>
+        <p:spPr bwMode="auto">
+          <a:xfrm flipV="1">
+            <a:off x="381000" y="3352800"/>
+            <a:ext cx="8229600" cy="0"/>
+          </a:xfrm>
+          <a:prstGeom prst="line">
+            <a:avLst/>
+          </a:prstGeom>
+          <a:ln w="0"/>
+        </p:spPr>
+        <p:style>
+          <a:lnRef idx="2">
+            <a:schemeClr val="accent1"/>
+          </a:lnRef>
+          <a:fillRef idx="0">
+            <a:schemeClr val="accent1"/>
+          </a:fillRef>
+          <a:effectRef idx="1">
+            <a:schemeClr val="accent1"/>
+          </a:effectRef>
+          <a:fontRef idx="minor">
+            <a:schemeClr val="tx1"/>
+          </a:fontRef>
+        </p:style>
+      </p:cxnSp>
+      <p:cxnSp>
+        <p:nvCxnSpPr>
+          <p:cNvPr id="19" name="Rak 18"/>
+          <p:cNvCxnSpPr/>
+          <p:nvPr/>
+        </p:nvCxnSpPr>
+        <p:spPr bwMode="auto">
+          <a:xfrm flipV="1">
+            <a:off x="381000" y="4800600"/>
+            <a:ext cx="8229600" cy="0"/>
+          </a:xfrm>
+          <a:prstGeom prst="line">
+            <a:avLst/>
+          </a:prstGeom>
+          <a:ln w="0"/>
+        </p:spPr>
+        <p:style>
+          <a:lnRef idx="2">
+            <a:schemeClr val="accent1"/>
+          </a:lnRef>
+          <a:fillRef idx="0">
+            <a:schemeClr val="accent1"/>
+          </a:fillRef>
+          <a:effectRef idx="1">
+            <a:schemeClr val="accent1"/>
+          </a:effectRef>
+          <a:fontRef idx="minor">
+            <a:schemeClr val="tx1"/>
+          </a:fontRef>
+        </p:style>
+      </p:cxnSp>
+      <p:sp>
+        <p:nvSpPr>
+          <p:cNvPr id="20" name="textruta 6"/>
+          <p:cNvSpPr txBox="1">
+            <a:spLocks noChangeArrowheads="1"/>
+          </p:cNvSpPr>
+          <p:nvPr/>
+        </p:nvSpPr>
+        <p:spPr bwMode="auto">
+          <a:xfrm>
+            <a:off x="381000" y="1143000"/>
+            <a:ext cx="1721433" cy="523220"/>
+          </a:xfrm>
+          <a:prstGeom prst="rect">
+            <a:avLst/>
+          </a:prstGeom>
+          <a:noFill/>
+          <a:ln w="9525">
+            <a:noFill/>
+            <a:miter lim="800000"/>
+            <a:headEnd/>
+            <a:tailEnd/>
+          </a:ln>
+        </p:spPr>
+        <p:txBody>
+          <a:bodyPr wrap="none">
+            <a:spAutoFit/>
+          </a:bodyPr>
+          <a:lstStyle/>
+          <a:p>
+            <a:r>
+              <a:rPr lang="en-US" sz="1400" b="1" dirty="0" err="1" smtClean="0">
+                <a:latin typeface="Calibri" pitchFamily="34" charset="0"/>
+              </a:rPr>
+              <a:t>Tjänsteinteraktion</a:t>
+            </a:r>
+            <a:endParaRPr lang="en-US" sz="1400" b="1" dirty="0" smtClean="0">
+              <a:latin typeface="Calibri" pitchFamily="34" charset="0"/>
+            </a:endParaRPr>
+          </a:p>
+          <a:p>
+            <a:r>
+              <a:rPr lang="sv-SE" sz="1400" dirty="0" smtClean="0">
+                <a:latin typeface="Calibri" pitchFamily="34" charset="0"/>
+              </a:rPr>
+              <a:t>Teknisk form: </a:t>
+            </a:r>
+            <a:r>
+              <a:rPr lang="sv-SE" sz="1400" dirty="0" err="1" smtClean="0">
+                <a:latin typeface="Calibri" pitchFamily="34" charset="0"/>
+              </a:rPr>
+              <a:t>wsdl-fil</a:t>
+            </a:r>
+            <a:endParaRPr lang="en-US" sz="1400" dirty="0" smtClean="0">
+              <a:latin typeface="Calibri" pitchFamily="34" charset="0"/>
+            </a:endParaRPr>
+          </a:p>
+        </p:txBody>
+      </p:sp>
+      <p:sp>
+        <p:nvSpPr>
+          <p:cNvPr id="21" name="textruta 6"/>
+          <p:cNvSpPr txBox="1">
+            <a:spLocks noChangeArrowheads="1"/>
+          </p:cNvSpPr>
+          <p:nvPr/>
+        </p:nvSpPr>
+        <p:spPr bwMode="auto">
+          <a:xfrm>
+            <a:off x="381000" y="2286000"/>
+            <a:ext cx="1721433" cy="738664"/>
+          </a:xfrm>
+          <a:prstGeom prst="rect">
+            <a:avLst/>
+          </a:prstGeom>
+          <a:noFill/>
+          <a:ln w="9525">
+            <a:noFill/>
+            <a:miter lim="800000"/>
+            <a:headEnd/>
+            <a:tailEnd/>
+          </a:ln>
+        </p:spPr>
+        <p:txBody>
+          <a:bodyPr wrap="none">
+            <a:spAutoFit/>
+          </a:bodyPr>
+          <a:lstStyle/>
+          <a:p>
+            <a:r>
+              <a:rPr lang="en-US" sz="1400" b="1" dirty="0" err="1" smtClean="0">
+                <a:latin typeface="Calibri" pitchFamily="34" charset="0"/>
+              </a:rPr>
+              <a:t>Operationer</a:t>
+            </a:r>
+            <a:r>
+              <a:rPr lang="en-US" sz="1400" b="1" dirty="0" smtClean="0">
+                <a:latin typeface="Calibri" pitchFamily="34" charset="0"/>
+              </a:rPr>
+              <a:t> </a:t>
+            </a:r>
+            <a:r>
+              <a:rPr lang="en-US" sz="1400" b="1" dirty="0" err="1" smtClean="0">
+                <a:latin typeface="Calibri" pitchFamily="34" charset="0"/>
+              </a:rPr>
+              <a:t>i</a:t>
+            </a:r>
+            <a:r>
+              <a:rPr lang="en-US" sz="1400" b="1" dirty="0" smtClean="0">
+                <a:latin typeface="Calibri" pitchFamily="34" charset="0"/>
+              </a:rPr>
+              <a:t> </a:t>
+            </a:r>
+          </a:p>
+          <a:p>
+            <a:r>
+              <a:rPr lang="en-US" sz="1400" b="1" dirty="0" err="1" smtClean="0">
+                <a:latin typeface="Calibri" pitchFamily="34" charset="0"/>
+              </a:rPr>
+              <a:t>tjänstekontrakt</a:t>
+            </a:r>
+            <a:endParaRPr lang="en-US" sz="1400" b="1" dirty="0" smtClean="0">
+              <a:latin typeface="Calibri" pitchFamily="34" charset="0"/>
+            </a:endParaRPr>
+          </a:p>
+          <a:p>
+            <a:r>
+              <a:rPr lang="sv-SE" sz="1400" dirty="0" smtClean="0">
+                <a:latin typeface="Calibri" pitchFamily="34" charset="0"/>
+              </a:rPr>
+              <a:t>Teknisk form: </a:t>
+            </a:r>
+            <a:r>
+              <a:rPr lang="sv-SE" sz="1400" dirty="0" err="1" smtClean="0">
+                <a:latin typeface="Calibri" pitchFamily="34" charset="0"/>
+              </a:rPr>
+              <a:t>wsdl-fil</a:t>
+            </a:r>
+            <a:endParaRPr lang="en-US" sz="1400" dirty="0" smtClean="0">
+              <a:latin typeface="Calibri" pitchFamily="34" charset="0"/>
+            </a:endParaRPr>
+          </a:p>
+        </p:txBody>
+      </p:sp>
+      <p:sp>
+        <p:nvSpPr>
+          <p:cNvPr id="22" name="textruta 6"/>
+          <p:cNvSpPr txBox="1">
+            <a:spLocks noChangeArrowheads="1"/>
+          </p:cNvSpPr>
+          <p:nvPr/>
+        </p:nvSpPr>
+        <p:spPr bwMode="auto">
+          <a:xfrm>
+            <a:off x="457200" y="3478649"/>
+            <a:ext cx="1670714" cy="1169551"/>
+          </a:xfrm>
+          <a:prstGeom prst="rect">
+            <a:avLst/>
+          </a:prstGeom>
+          <a:noFill/>
+          <a:ln w="9525">
+            <a:noFill/>
+            <a:miter lim="800000"/>
+            <a:headEnd/>
+            <a:tailEnd/>
+          </a:ln>
+        </p:spPr>
+        <p:txBody>
+          <a:bodyPr wrap="none">
+            <a:spAutoFit/>
+          </a:bodyPr>
+          <a:lstStyle/>
+          <a:p>
+            <a:r>
+              <a:rPr lang="en-US" sz="1400" b="1" dirty="0" err="1" smtClean="0">
+                <a:latin typeface="Calibri" pitchFamily="34" charset="0"/>
+              </a:rPr>
+              <a:t>Parametrar</a:t>
+            </a:r>
+            <a:r>
+              <a:rPr lang="en-US" sz="1400" b="1" dirty="0" smtClean="0">
+                <a:latin typeface="Calibri" pitchFamily="34" charset="0"/>
+              </a:rPr>
+              <a:t> </a:t>
+            </a:r>
+            <a:r>
+              <a:rPr lang="en-US" sz="1400" b="1" dirty="0" err="1" smtClean="0">
+                <a:latin typeface="Calibri" pitchFamily="34" charset="0"/>
+              </a:rPr>
+              <a:t>och</a:t>
+            </a:r>
+            <a:r>
+              <a:rPr lang="en-US" sz="1400" b="1" dirty="0" smtClean="0">
+                <a:latin typeface="Calibri" pitchFamily="34" charset="0"/>
+              </a:rPr>
+              <a:t> </a:t>
+            </a:r>
+          </a:p>
+          <a:p>
+            <a:r>
+              <a:rPr lang="en-US" sz="1400" b="1" dirty="0" err="1" smtClean="0">
+                <a:latin typeface="Calibri" pitchFamily="34" charset="0"/>
+              </a:rPr>
+              <a:t>returvärden</a:t>
+            </a:r>
+            <a:r>
+              <a:rPr lang="en-US" sz="1400" b="1" dirty="0" smtClean="0">
+                <a:latin typeface="Calibri" pitchFamily="34" charset="0"/>
+              </a:rPr>
+              <a:t> </a:t>
+            </a:r>
+            <a:r>
+              <a:rPr lang="en-US" sz="1400" b="1" dirty="0" err="1" smtClean="0">
+                <a:latin typeface="Calibri" pitchFamily="34" charset="0"/>
+              </a:rPr>
+              <a:t>i</a:t>
+            </a:r>
+            <a:r>
+              <a:rPr lang="en-US" sz="1400" b="1" dirty="0" smtClean="0">
+                <a:latin typeface="Calibri" pitchFamily="34" charset="0"/>
+              </a:rPr>
+              <a:t> </a:t>
+            </a:r>
+          </a:p>
+          <a:p>
+            <a:r>
+              <a:rPr lang="en-US" sz="1400" b="1" dirty="0" err="1" smtClean="0">
+                <a:latin typeface="Calibri" pitchFamily="34" charset="0"/>
+              </a:rPr>
+              <a:t>t</a:t>
+            </a:r>
+            <a:r>
+              <a:rPr lang="en-US" sz="1400" b="1" dirty="0" err="1" smtClean="0">
+                <a:latin typeface="Calibri" pitchFamily="34" charset="0"/>
+              </a:rPr>
+              <a:t>jänstekontrakt</a:t>
+            </a:r>
+            <a:endParaRPr lang="en-US" sz="1400" b="1" dirty="0" smtClean="0">
+              <a:latin typeface="Calibri" pitchFamily="34" charset="0"/>
+            </a:endParaRPr>
+          </a:p>
+          <a:p>
+            <a:r>
+              <a:rPr lang="sv-SE" sz="1400" dirty="0" smtClean="0">
+                <a:latin typeface="Calibri" pitchFamily="34" charset="0"/>
+              </a:rPr>
+              <a:t>Teknisk form:  </a:t>
+            </a:r>
+            <a:r>
+              <a:rPr lang="sv-SE" sz="1400" dirty="0" err="1" smtClean="0">
+                <a:latin typeface="Calibri" pitchFamily="34" charset="0"/>
+              </a:rPr>
+              <a:t>xsd-fil</a:t>
+            </a:r>
+            <a:r>
+              <a:rPr lang="sv-SE" sz="1400" dirty="0" smtClean="0">
+                <a:latin typeface="Calibri" pitchFamily="34" charset="0"/>
+              </a:rPr>
+              <a:t/>
+            </a:r>
+            <a:br>
+              <a:rPr lang="sv-SE" sz="1400" dirty="0" smtClean="0">
+                <a:latin typeface="Calibri" pitchFamily="34" charset="0"/>
+              </a:rPr>
+            </a:br>
+            <a:r>
+              <a:rPr lang="sv-SE" sz="1400" dirty="0" smtClean="0">
+                <a:latin typeface="Calibri" pitchFamily="34" charset="0"/>
+              </a:rPr>
+              <a:t>(tjänsteschema)</a:t>
+            </a:r>
+            <a:endParaRPr lang="en-US" sz="1400" dirty="0" smtClean="0">
+              <a:latin typeface="Calibri" pitchFamily="34" charset="0"/>
+            </a:endParaRPr>
+          </a:p>
+        </p:txBody>
+      </p:sp>
+      <p:sp>
+        <p:nvSpPr>
+          <p:cNvPr id="23" name="textruta 6"/>
+          <p:cNvSpPr txBox="1">
+            <a:spLocks noChangeArrowheads="1"/>
+          </p:cNvSpPr>
+          <p:nvPr/>
+        </p:nvSpPr>
+        <p:spPr bwMode="auto">
+          <a:xfrm>
+            <a:off x="457200" y="5029200"/>
+            <a:ext cx="1670714" cy="523220"/>
+          </a:xfrm>
+          <a:prstGeom prst="rect">
+            <a:avLst/>
+          </a:prstGeom>
+          <a:noFill/>
+          <a:ln w="9525">
+            <a:noFill/>
+            <a:miter lim="800000"/>
+            <a:headEnd/>
+            <a:tailEnd/>
+          </a:ln>
+        </p:spPr>
+        <p:txBody>
+          <a:bodyPr wrap="none">
+            <a:spAutoFit/>
+          </a:bodyPr>
+          <a:lstStyle/>
+          <a:p>
+            <a:r>
+              <a:rPr lang="en-US" sz="1400" b="1" dirty="0" smtClean="0">
+                <a:latin typeface="Calibri" pitchFamily="34" charset="0"/>
+              </a:rPr>
+              <a:t>RIV </a:t>
+            </a:r>
+            <a:r>
+              <a:rPr lang="en-US" sz="1400" b="1" dirty="0" err="1" smtClean="0">
+                <a:latin typeface="Calibri" pitchFamily="34" charset="0"/>
+              </a:rPr>
+              <a:t>m</a:t>
+            </a:r>
+            <a:r>
+              <a:rPr lang="en-US" sz="1400" b="1" dirty="0" err="1" smtClean="0">
+                <a:latin typeface="Calibri" pitchFamily="34" charset="0"/>
+              </a:rPr>
+              <a:t>eddelanden</a:t>
+            </a:r>
+            <a:endParaRPr lang="en-US" sz="1400" b="1" dirty="0" smtClean="0">
+              <a:latin typeface="Calibri" pitchFamily="34" charset="0"/>
+            </a:endParaRPr>
+          </a:p>
+          <a:p>
+            <a:r>
+              <a:rPr lang="sv-SE" sz="1400" dirty="0" smtClean="0">
+                <a:latin typeface="Calibri" pitchFamily="34" charset="0"/>
+              </a:rPr>
+              <a:t>Teknisk </a:t>
+            </a:r>
+            <a:r>
+              <a:rPr lang="sv-SE" sz="1400" dirty="0" smtClean="0">
+                <a:latin typeface="Calibri" pitchFamily="34" charset="0"/>
+              </a:rPr>
+              <a:t>form:  </a:t>
+            </a:r>
+            <a:r>
+              <a:rPr lang="sv-SE" sz="1400" dirty="0" err="1" smtClean="0">
+                <a:latin typeface="Calibri" pitchFamily="34" charset="0"/>
+              </a:rPr>
+              <a:t>xsd-fil</a:t>
+            </a:r>
+            <a:endParaRPr lang="en-US" sz="1400" dirty="0" smtClean="0">
+              <a:latin typeface="Calibri" pitchFamily="34" charset="0"/>
+            </a:endParaRPr>
+          </a:p>
+        </p:txBody>
+      </p:sp>
+      <p:pic>
+        <p:nvPicPr>
+          <p:cNvPr id="5126" name="Picture 6"/>
+          <p:cNvPicPr>
+            <a:picLocks noChangeAspect="1" noChangeArrowheads="1"/>
+          </p:cNvPicPr>
+          <p:nvPr/>
+        </p:nvPicPr>
+        <p:blipFill>
+          <a:blip r:embed="rId2"/>
+          <a:srcRect/>
+          <a:stretch>
+            <a:fillRect/>
+          </a:stretch>
+        </p:blipFill>
+        <p:spPr bwMode="auto">
+          <a:xfrm>
+            <a:off x="1971675" y="762000"/>
+            <a:ext cx="5419725" cy="5638800"/>
+          </a:xfrm>
+          <a:prstGeom prst="rect">
+            <a:avLst/>
+          </a:prstGeom>
+          <a:noFill/>
+          <a:ln w="9525">
+            <a:noFill/>
+            <a:miter lim="800000"/>
+            <a:headEnd/>
+            <a:tailEnd/>
+          </a:ln>
+          <a:effectLst/>
+        </p:spPr>
+      </p:pic>
+    </p:spTree>
+  </p:cSld>
+  <p:clrMapOvr>
+    <a:masterClrMapping/>
+  </p:clrMapOvr>
+</p:sld>
+</file>
+
 <file path=ppt/theme/theme1.xml><?xml version="1.0" encoding="utf-8"?>
 <a:theme xmlns:a="http://schemas.openxmlformats.org/drawingml/2006/main" name="Office-tema">
   <a:themeElements>
